--- a/Report/Development of Artificial Robotic Arm based on Tactile Sensor_20170515.pptx
+++ b/Report/Development of Artificial Robotic Arm based on Tactile Sensor_20170515.pptx
@@ -37,23 +37,23 @@
   <p:notesSz cx="6858000" cy="9144000"/>
   <p:embeddedFontLst>
     <p:embeddedFont>
-      <p:font typeface="Economica" panose="020B0604020202020204" charset="0"/>
+      <p:font typeface="Calibri Light" panose="020F0302020204030204" pitchFamily="34" charset="0"/>
       <p:regular r:id="rId27"/>
-      <p:bold r:id="rId28"/>
-      <p:italic r:id="rId29"/>
-      <p:boldItalic r:id="rId30"/>
+      <p:italic r:id="rId28"/>
     </p:embeddedFont>
     <p:embeddedFont>
       <p:font typeface="Calibri" panose="020F0502020204030204" pitchFamily="34" charset="0"/>
-      <p:regular r:id="rId31"/>
-      <p:bold r:id="rId32"/>
-      <p:italic r:id="rId33"/>
-      <p:boldItalic r:id="rId34"/>
+      <p:regular r:id="rId29"/>
+      <p:bold r:id="rId30"/>
+      <p:italic r:id="rId31"/>
+      <p:boldItalic r:id="rId32"/>
     </p:embeddedFont>
     <p:embeddedFont>
-      <p:font typeface="Calibri Light" panose="020F0302020204030204" pitchFamily="34" charset="0"/>
-      <p:regular r:id="rId35"/>
-      <p:italic r:id="rId36"/>
+      <p:font typeface="Economica" panose="020B0604020202020204" charset="0"/>
+      <p:regular r:id="rId33"/>
+      <p:bold r:id="rId34"/>
+      <p:italic r:id="rId35"/>
+      <p:boldItalic r:id="rId36"/>
     </p:embeddedFont>
   </p:embeddedFontLst>
   <p:defaultTextStyle>
@@ -161,6 +161,1046 @@
 
 <file path=ppt/revisionInfo.xml><?xml version="1.0" encoding="utf-8"?>
 <p1510:revInfo xmlns:a="http://schemas.openxmlformats.org/drawingml/2006/main" xmlns:r="http://schemas.openxmlformats.org/officeDocument/2006/relationships" xmlns:p1510="http://schemas.microsoft.com/office/powerpoint/2015/10/main"/>
+</file>
+
+<file path=ppt/charts/chart1.xml><?xml version="1.0" encoding="utf-8"?>
+<c:chartSpace xmlns:c="http://schemas.openxmlformats.org/drawingml/2006/chart" xmlns:a="http://schemas.openxmlformats.org/drawingml/2006/main" xmlns:r="http://schemas.openxmlformats.org/officeDocument/2006/relationships" xmlns:c16r2="http://schemas.microsoft.com/office/drawing/2015/06/chart">
+  <c:date1904 val="0"/>
+  <c:lang val="en-US"/>
+  <c:roundedCorners val="0"/>
+  <mc:AlternateContent xmlns:mc="http://schemas.openxmlformats.org/markup-compatibility/2006">
+    <mc:Choice xmlns:c14="http://schemas.microsoft.com/office/drawing/2007/8/2/chart" Requires="c14">
+      <c14:style val="102"/>
+    </mc:Choice>
+    <mc:Fallback>
+      <c:style val="2"/>
+    </mc:Fallback>
+  </mc:AlternateContent>
+  <c:chart>
+    <c:title>
+      <c:overlay val="0"/>
+      <c:spPr>
+        <a:noFill/>
+        <a:ln>
+          <a:noFill/>
+        </a:ln>
+        <a:effectLst/>
+      </c:spPr>
+      <c:txPr>
+        <a:bodyPr rot="0" spcFirstLastPara="1" vertOverflow="ellipsis" vert="horz" wrap="square" anchor="ctr" anchorCtr="1"/>
+        <a:lstStyle/>
+        <a:p>
+          <a:pPr>
+            <a:defRPr sz="1862" b="0" i="0" u="none" strike="noStrike" kern="1200" spc="0" baseline="0">
+              <a:solidFill>
+                <a:schemeClr val="tx1">
+                  <a:lumMod val="65000"/>
+                  <a:lumOff val="35000"/>
+                </a:schemeClr>
+              </a:solidFill>
+              <a:latin typeface="+mn-lt"/>
+              <a:ea typeface="+mn-ea"/>
+              <a:cs typeface="+mn-cs"/>
+            </a:defRPr>
+          </a:pPr>
+          <a:endParaRPr lang="en-US"/>
+        </a:p>
+      </c:txPr>
+    </c:title>
+    <c:autoTitleDeleted val="0"/>
+    <c:plotArea>
+      <c:layout/>
+      <c:lineChart>
+        <c:grouping val="standard"/>
+        <c:varyColors val="0"/>
+        <c:ser>
+          <c:idx val="0"/>
+          <c:order val="0"/>
+          <c:tx>
+            <c:strRef>
+              <c:f>Sheet1!$B$1</c:f>
+              <c:strCache>
+                <c:ptCount val="1"/>
+                <c:pt idx="0">
+                  <c:v>1</c:v>
+                </c:pt>
+              </c:strCache>
+            </c:strRef>
+          </c:tx>
+          <c:spPr>
+            <a:ln w="28575" cap="rnd">
+              <a:solidFill>
+                <a:schemeClr val="accent1"/>
+              </a:solidFill>
+              <a:round/>
+            </a:ln>
+            <a:effectLst/>
+          </c:spPr>
+          <c:marker>
+            <c:symbol val="circle"/>
+            <c:size val="5"/>
+            <c:spPr>
+              <a:solidFill>
+                <a:schemeClr val="accent1"/>
+              </a:solidFill>
+              <a:ln w="9525">
+                <a:solidFill>
+                  <a:schemeClr val="accent1"/>
+                </a:solidFill>
+              </a:ln>
+              <a:effectLst/>
+            </c:spPr>
+          </c:marker>
+          <c:cat>
+            <c:numRef>
+              <c:f>Sheet1!$A$2:$A$5</c:f>
+              <c:numCache>
+                <c:formatCode>0%</c:formatCode>
+                <c:ptCount val="4"/>
+                <c:pt idx="0">
+                  <c:v>0.1</c:v>
+                </c:pt>
+                <c:pt idx="1">
+                  <c:v>0.2</c:v>
+                </c:pt>
+                <c:pt idx="2">
+                  <c:v>0.4</c:v>
+                </c:pt>
+                <c:pt idx="3">
+                  <c:v>0.8</c:v>
+                </c:pt>
+              </c:numCache>
+            </c:numRef>
+          </c:cat>
+          <c:val>
+            <c:numRef>
+              <c:f>Sheet1!$B$2:$B$5</c:f>
+              <c:numCache>
+                <c:formatCode>General</c:formatCode>
+                <c:ptCount val="4"/>
+                <c:pt idx="0">
+                  <c:v>130</c:v>
+                </c:pt>
+                <c:pt idx="1">
+                  <c:v>143</c:v>
+                </c:pt>
+                <c:pt idx="2">
+                  <c:v>124.7</c:v>
+                </c:pt>
+                <c:pt idx="3">
+                  <c:v>114.5</c:v>
+                </c:pt>
+              </c:numCache>
+            </c:numRef>
+          </c:val>
+          <c:smooth val="0"/>
+          <c:extLst>
+            <c:ext xmlns:c16="http://schemas.microsoft.com/office/drawing/2014/chart" uri="{C3380CC4-5D6E-409C-BE32-E72D297353CC}">
+              <c16:uniqueId val="{00000000-D112-42F4-9414-1D49F554CC4D}"/>
+            </c:ext>
+          </c:extLst>
+        </c:ser>
+        <c:ser>
+          <c:idx val="1"/>
+          <c:order val="1"/>
+          <c:tx>
+            <c:strRef>
+              <c:f>Sheet1!$C$1</c:f>
+              <c:strCache>
+                <c:ptCount val="1"/>
+                <c:pt idx="0">
+                  <c:v>2</c:v>
+                </c:pt>
+              </c:strCache>
+            </c:strRef>
+          </c:tx>
+          <c:spPr>
+            <a:ln w="28575" cap="rnd">
+              <a:solidFill>
+                <a:schemeClr val="accent2"/>
+              </a:solidFill>
+              <a:round/>
+            </a:ln>
+            <a:effectLst/>
+          </c:spPr>
+          <c:marker>
+            <c:symbol val="circle"/>
+            <c:size val="5"/>
+            <c:spPr>
+              <a:solidFill>
+                <a:schemeClr val="accent2"/>
+              </a:solidFill>
+              <a:ln w="9525">
+                <a:solidFill>
+                  <a:schemeClr val="accent2"/>
+                </a:solidFill>
+              </a:ln>
+              <a:effectLst/>
+            </c:spPr>
+          </c:marker>
+          <c:cat>
+            <c:numRef>
+              <c:f>Sheet1!$A$2:$A$5</c:f>
+              <c:numCache>
+                <c:formatCode>0%</c:formatCode>
+                <c:ptCount val="4"/>
+                <c:pt idx="0">
+                  <c:v>0.1</c:v>
+                </c:pt>
+                <c:pt idx="1">
+                  <c:v>0.2</c:v>
+                </c:pt>
+                <c:pt idx="2">
+                  <c:v>0.4</c:v>
+                </c:pt>
+                <c:pt idx="3">
+                  <c:v>0.8</c:v>
+                </c:pt>
+              </c:numCache>
+            </c:numRef>
+          </c:cat>
+          <c:val>
+            <c:numRef>
+              <c:f>Sheet1!$C$2:$C$5</c:f>
+              <c:numCache>
+                <c:formatCode>General</c:formatCode>
+                <c:ptCount val="4"/>
+                <c:pt idx="0">
+                  <c:v>133</c:v>
+                </c:pt>
+                <c:pt idx="1">
+                  <c:v>220</c:v>
+                </c:pt>
+                <c:pt idx="2">
+                  <c:v>75</c:v>
+                </c:pt>
+                <c:pt idx="3">
+                  <c:v>141</c:v>
+                </c:pt>
+              </c:numCache>
+            </c:numRef>
+          </c:val>
+          <c:smooth val="0"/>
+          <c:extLst>
+            <c:ext xmlns:c16="http://schemas.microsoft.com/office/drawing/2014/chart" uri="{C3380CC4-5D6E-409C-BE32-E72D297353CC}">
+              <c16:uniqueId val="{00000001-D112-42F4-9414-1D49F554CC4D}"/>
+            </c:ext>
+          </c:extLst>
+        </c:ser>
+        <c:ser>
+          <c:idx val="2"/>
+          <c:order val="2"/>
+          <c:tx>
+            <c:strRef>
+              <c:f>Sheet1!$D$1</c:f>
+              <c:strCache>
+                <c:ptCount val="1"/>
+                <c:pt idx="0">
+                  <c:v>3</c:v>
+                </c:pt>
+              </c:strCache>
+            </c:strRef>
+          </c:tx>
+          <c:spPr>
+            <a:ln w="28575" cap="rnd">
+              <a:solidFill>
+                <a:schemeClr val="accent3"/>
+              </a:solidFill>
+              <a:round/>
+            </a:ln>
+            <a:effectLst/>
+          </c:spPr>
+          <c:marker>
+            <c:symbol val="circle"/>
+            <c:size val="5"/>
+            <c:spPr>
+              <a:solidFill>
+                <a:schemeClr val="accent3"/>
+              </a:solidFill>
+              <a:ln w="9525">
+                <a:solidFill>
+                  <a:schemeClr val="accent3"/>
+                </a:solidFill>
+              </a:ln>
+              <a:effectLst/>
+            </c:spPr>
+          </c:marker>
+          <c:cat>
+            <c:numRef>
+              <c:f>Sheet1!$A$2:$A$5</c:f>
+              <c:numCache>
+                <c:formatCode>0%</c:formatCode>
+                <c:ptCount val="4"/>
+                <c:pt idx="0">
+                  <c:v>0.1</c:v>
+                </c:pt>
+                <c:pt idx="1">
+                  <c:v>0.2</c:v>
+                </c:pt>
+                <c:pt idx="2">
+                  <c:v>0.4</c:v>
+                </c:pt>
+                <c:pt idx="3">
+                  <c:v>0.8</c:v>
+                </c:pt>
+              </c:numCache>
+            </c:numRef>
+          </c:cat>
+          <c:val>
+            <c:numRef>
+              <c:f>Sheet1!$D$2:$D$5</c:f>
+              <c:numCache>
+                <c:formatCode>General</c:formatCode>
+                <c:ptCount val="4"/>
+                <c:pt idx="0">
+                  <c:v>167</c:v>
+                </c:pt>
+                <c:pt idx="1">
+                  <c:v>142</c:v>
+                </c:pt>
+                <c:pt idx="2">
+                  <c:v>193</c:v>
+                </c:pt>
+                <c:pt idx="3">
+                  <c:v>125</c:v>
+                </c:pt>
+              </c:numCache>
+            </c:numRef>
+          </c:val>
+          <c:smooth val="0"/>
+          <c:extLst>
+            <c:ext xmlns:c16="http://schemas.microsoft.com/office/drawing/2014/chart" uri="{C3380CC4-5D6E-409C-BE32-E72D297353CC}">
+              <c16:uniqueId val="{00000002-D112-42F4-9414-1D49F554CC4D}"/>
+            </c:ext>
+          </c:extLst>
+        </c:ser>
+        <c:dLbls>
+          <c:showLegendKey val="0"/>
+          <c:showVal val="0"/>
+          <c:showCatName val="0"/>
+          <c:showSerName val="0"/>
+          <c:showPercent val="0"/>
+          <c:showBubbleSize val="0"/>
+        </c:dLbls>
+        <c:marker val="1"/>
+        <c:smooth val="0"/>
+        <c:axId val="316491944"/>
+        <c:axId val="316492272"/>
+      </c:lineChart>
+      <c:catAx>
+        <c:axId val="316491944"/>
+        <c:scaling>
+          <c:orientation val="minMax"/>
+        </c:scaling>
+        <c:delete val="0"/>
+        <c:axPos val="b"/>
+        <c:numFmt formatCode="0%" sourceLinked="1"/>
+        <c:majorTickMark val="none"/>
+        <c:minorTickMark val="none"/>
+        <c:tickLblPos val="nextTo"/>
+        <c:spPr>
+          <a:noFill/>
+          <a:ln w="9525" cap="flat" cmpd="sng" algn="ctr">
+            <a:solidFill>
+              <a:schemeClr val="tx1">
+                <a:lumMod val="15000"/>
+                <a:lumOff val="85000"/>
+              </a:schemeClr>
+            </a:solidFill>
+            <a:round/>
+          </a:ln>
+          <a:effectLst/>
+        </c:spPr>
+        <c:txPr>
+          <a:bodyPr rot="-60000000" spcFirstLastPara="1" vertOverflow="ellipsis" vert="horz" wrap="square" anchor="ctr" anchorCtr="1"/>
+          <a:lstStyle/>
+          <a:p>
+            <a:pPr>
+              <a:defRPr sz="1197" b="0" i="0" u="none" strike="noStrike" kern="1200" baseline="0">
+                <a:solidFill>
+                  <a:schemeClr val="tx1">
+                    <a:lumMod val="65000"/>
+                    <a:lumOff val="35000"/>
+                  </a:schemeClr>
+                </a:solidFill>
+                <a:latin typeface="+mn-lt"/>
+                <a:ea typeface="+mn-ea"/>
+                <a:cs typeface="+mn-cs"/>
+              </a:defRPr>
+            </a:pPr>
+            <a:endParaRPr lang="en-US"/>
+          </a:p>
+        </c:txPr>
+        <c:crossAx val="316492272"/>
+        <c:crosses val="autoZero"/>
+        <c:auto val="1"/>
+        <c:lblAlgn val="ctr"/>
+        <c:lblOffset val="100"/>
+        <c:noMultiLvlLbl val="0"/>
+      </c:catAx>
+      <c:valAx>
+        <c:axId val="316492272"/>
+        <c:scaling>
+          <c:orientation val="minMax"/>
+        </c:scaling>
+        <c:delete val="0"/>
+        <c:axPos val="l"/>
+        <c:majorGridlines>
+          <c:spPr>
+            <a:ln w="9525" cap="flat" cmpd="sng" algn="ctr">
+              <a:solidFill>
+                <a:schemeClr val="tx1">
+                  <a:lumMod val="15000"/>
+                  <a:lumOff val="85000"/>
+                </a:schemeClr>
+              </a:solidFill>
+              <a:round/>
+            </a:ln>
+            <a:effectLst/>
+          </c:spPr>
+        </c:majorGridlines>
+        <c:numFmt formatCode="General" sourceLinked="1"/>
+        <c:majorTickMark val="none"/>
+        <c:minorTickMark val="none"/>
+        <c:tickLblPos val="nextTo"/>
+        <c:spPr>
+          <a:noFill/>
+          <a:ln>
+            <a:noFill/>
+          </a:ln>
+          <a:effectLst/>
+        </c:spPr>
+        <c:txPr>
+          <a:bodyPr rot="-60000000" spcFirstLastPara="1" vertOverflow="ellipsis" vert="horz" wrap="square" anchor="ctr" anchorCtr="1"/>
+          <a:lstStyle/>
+          <a:p>
+            <a:pPr>
+              <a:defRPr sz="1197" b="0" i="0" u="none" strike="noStrike" kern="1200" baseline="0">
+                <a:solidFill>
+                  <a:schemeClr val="tx1">
+                    <a:lumMod val="65000"/>
+                    <a:lumOff val="35000"/>
+                  </a:schemeClr>
+                </a:solidFill>
+                <a:latin typeface="+mn-lt"/>
+                <a:ea typeface="+mn-ea"/>
+                <a:cs typeface="+mn-cs"/>
+              </a:defRPr>
+            </a:pPr>
+            <a:endParaRPr lang="en-US"/>
+          </a:p>
+        </c:txPr>
+        <c:crossAx val="316491944"/>
+        <c:crosses val="autoZero"/>
+        <c:crossBetween val="between"/>
+      </c:valAx>
+      <c:spPr>
+        <a:noFill/>
+        <a:ln>
+          <a:noFill/>
+        </a:ln>
+        <a:effectLst/>
+      </c:spPr>
+    </c:plotArea>
+    <c:legend>
+      <c:legendPos val="b"/>
+      <c:overlay val="0"/>
+      <c:spPr>
+        <a:noFill/>
+        <a:ln>
+          <a:noFill/>
+        </a:ln>
+        <a:effectLst/>
+      </c:spPr>
+      <c:txPr>
+        <a:bodyPr rot="0" spcFirstLastPara="1" vertOverflow="ellipsis" vert="horz" wrap="square" anchor="ctr" anchorCtr="1"/>
+        <a:lstStyle/>
+        <a:p>
+          <a:pPr>
+            <a:defRPr sz="1197" b="0" i="0" u="none" strike="noStrike" kern="1200" baseline="0">
+              <a:solidFill>
+                <a:schemeClr val="tx1">
+                  <a:lumMod val="65000"/>
+                  <a:lumOff val="35000"/>
+                </a:schemeClr>
+              </a:solidFill>
+              <a:latin typeface="+mn-lt"/>
+              <a:ea typeface="+mn-ea"/>
+              <a:cs typeface="+mn-cs"/>
+            </a:defRPr>
+          </a:pPr>
+          <a:endParaRPr lang="en-US"/>
+        </a:p>
+      </c:txPr>
+    </c:legend>
+    <c:plotVisOnly val="1"/>
+    <c:dispBlanksAs val="gap"/>
+    <c:showDLblsOverMax val="0"/>
+  </c:chart>
+  <c:spPr>
+    <a:noFill/>
+    <a:ln>
+      <a:noFill/>
+    </a:ln>
+    <a:effectLst/>
+  </c:spPr>
+  <c:txPr>
+    <a:bodyPr/>
+    <a:lstStyle/>
+    <a:p>
+      <a:pPr>
+        <a:defRPr/>
+      </a:pPr>
+      <a:endParaRPr lang="en-US"/>
+    </a:p>
+  </c:txPr>
+  <c:externalData r:id="rId3">
+    <c:autoUpdate val="0"/>
+  </c:externalData>
+</c:chartSpace>
+</file>
+
+<file path=ppt/charts/colors1.xml><?xml version="1.0" encoding="utf-8"?>
+<cs:colorStyle xmlns:cs="http://schemas.microsoft.com/office/drawing/2012/chartStyle" xmlns:a="http://schemas.openxmlformats.org/drawingml/2006/main" meth="cycle" id="10">
+  <a:schemeClr val="accent1"/>
+  <a:schemeClr val="accent2"/>
+  <a:schemeClr val="accent3"/>
+  <a:schemeClr val="accent4"/>
+  <a:schemeClr val="accent5"/>
+  <a:schemeClr val="accent6"/>
+  <cs:variation/>
+  <cs:variation>
+    <a:lumMod val="60000"/>
+  </cs:variation>
+  <cs:variation>
+    <a:lumMod val="80000"/>
+    <a:lumOff val="20000"/>
+  </cs:variation>
+  <cs:variation>
+    <a:lumMod val="80000"/>
+  </cs:variation>
+  <cs:variation>
+    <a:lumMod val="60000"/>
+    <a:lumOff val="40000"/>
+  </cs:variation>
+  <cs:variation>
+    <a:lumMod val="50000"/>
+  </cs:variation>
+  <cs:variation>
+    <a:lumMod val="70000"/>
+    <a:lumOff val="30000"/>
+  </cs:variation>
+  <cs:variation>
+    <a:lumMod val="70000"/>
+  </cs:variation>
+  <cs:variation>
+    <a:lumMod val="50000"/>
+    <a:lumOff val="50000"/>
+  </cs:variation>
+</cs:colorStyle>
+</file>
+
+<file path=ppt/charts/style1.xml><?xml version="1.0" encoding="utf-8"?>
+<cs:chartStyle xmlns:cs="http://schemas.microsoft.com/office/drawing/2012/chartStyle" xmlns:a="http://schemas.openxmlformats.org/drawingml/2006/main" id="332">
+  <cs:axisTitle>
+    <cs:lnRef idx="0"/>
+    <cs:fillRef idx="0"/>
+    <cs:effectRef idx="0"/>
+    <cs:fontRef idx="minor">
+      <a:schemeClr val="tx1">
+        <a:lumMod val="65000"/>
+        <a:lumOff val="35000"/>
+      </a:schemeClr>
+    </cs:fontRef>
+    <cs:defRPr sz="1330" kern="1200"/>
+  </cs:axisTitle>
+  <cs:categoryAxis>
+    <cs:lnRef idx="0"/>
+    <cs:fillRef idx="0"/>
+    <cs:effectRef idx="0"/>
+    <cs:fontRef idx="minor">
+      <a:schemeClr val="tx1">
+        <a:lumMod val="65000"/>
+        <a:lumOff val="35000"/>
+      </a:schemeClr>
+    </cs:fontRef>
+    <cs:spPr>
+      <a:ln w="9525" cap="flat" cmpd="sng" algn="ctr">
+        <a:solidFill>
+          <a:schemeClr val="tx1">
+            <a:lumMod val="15000"/>
+            <a:lumOff val="85000"/>
+          </a:schemeClr>
+        </a:solidFill>
+        <a:round/>
+      </a:ln>
+    </cs:spPr>
+    <cs:defRPr sz="1197" kern="1200"/>
+  </cs:categoryAxis>
+  <cs:chartArea mods="allowNoFillOverride allowNoLineOverride">
+    <cs:lnRef idx="0"/>
+    <cs:fillRef idx="0"/>
+    <cs:effectRef idx="0"/>
+    <cs:fontRef idx="minor">
+      <a:schemeClr val="tx1"/>
+    </cs:fontRef>
+    <cs:spPr>
+      <a:solidFill>
+        <a:schemeClr val="bg1"/>
+      </a:solidFill>
+      <a:ln w="9525" cap="flat" cmpd="sng" algn="ctr">
+        <a:solidFill>
+          <a:schemeClr val="tx1">
+            <a:lumMod val="15000"/>
+            <a:lumOff val="85000"/>
+          </a:schemeClr>
+        </a:solidFill>
+        <a:round/>
+      </a:ln>
+    </cs:spPr>
+    <cs:defRPr sz="1330" kern="1200"/>
+  </cs:chartArea>
+  <cs:dataLabel>
+    <cs:lnRef idx="0"/>
+    <cs:fillRef idx="0"/>
+    <cs:effectRef idx="0"/>
+    <cs:fontRef idx="minor">
+      <a:schemeClr val="tx1">
+        <a:lumMod val="75000"/>
+        <a:lumOff val="25000"/>
+      </a:schemeClr>
+    </cs:fontRef>
+    <cs:defRPr sz="1197" kern="1200"/>
+  </cs:dataLabel>
+  <cs:dataLabelCallout>
+    <cs:lnRef idx="0"/>
+    <cs:fillRef idx="0"/>
+    <cs:effectRef idx="0"/>
+    <cs:fontRef idx="minor">
+      <a:schemeClr val="dk1">
+        <a:lumMod val="65000"/>
+        <a:lumOff val="35000"/>
+      </a:schemeClr>
+    </cs:fontRef>
+    <cs:spPr>
+      <a:solidFill>
+        <a:schemeClr val="lt1"/>
+      </a:solidFill>
+      <a:ln>
+        <a:solidFill>
+          <a:schemeClr val="dk1">
+            <a:lumMod val="25000"/>
+            <a:lumOff val="75000"/>
+          </a:schemeClr>
+        </a:solidFill>
+      </a:ln>
+    </cs:spPr>
+    <cs:defRPr sz="1197" kern="1200"/>
+    <cs:bodyPr rot="0" spcFirstLastPara="1" vertOverflow="clip" horzOverflow="clip" vert="horz" wrap="square" lIns="36576" tIns="18288" rIns="36576" bIns="18288" anchor="ctr" anchorCtr="1">
+      <a:spAutoFit/>
+    </cs:bodyPr>
+  </cs:dataLabelCallout>
+  <cs:dataPoint>
+    <cs:lnRef idx="0"/>
+    <cs:fillRef idx="1">
+      <cs:styleClr val="auto"/>
+    </cs:fillRef>
+    <cs:effectRef idx="0"/>
+    <cs:fontRef idx="minor">
+      <a:schemeClr val="tx1"/>
+    </cs:fontRef>
+  </cs:dataPoint>
+  <cs:dataPoint3D>
+    <cs:lnRef idx="0"/>
+    <cs:fillRef idx="1">
+      <cs:styleClr val="auto"/>
+    </cs:fillRef>
+    <cs:effectRef idx="0"/>
+    <cs:fontRef idx="minor">
+      <a:schemeClr val="tx1"/>
+    </cs:fontRef>
+  </cs:dataPoint3D>
+  <cs:dataPointLine>
+    <cs:lnRef idx="0">
+      <cs:styleClr val="auto"/>
+    </cs:lnRef>
+    <cs:fillRef idx="1"/>
+    <cs:effectRef idx="0"/>
+    <cs:fontRef idx="minor">
+      <a:schemeClr val="tx1"/>
+    </cs:fontRef>
+    <cs:spPr>
+      <a:ln w="28575" cap="rnd">
+        <a:solidFill>
+          <a:schemeClr val="phClr"/>
+        </a:solidFill>
+        <a:round/>
+      </a:ln>
+    </cs:spPr>
+  </cs:dataPointLine>
+  <cs:dataPointMarker>
+    <cs:lnRef idx="0">
+      <cs:styleClr val="auto"/>
+    </cs:lnRef>
+    <cs:fillRef idx="1">
+      <cs:styleClr val="auto"/>
+    </cs:fillRef>
+    <cs:effectRef idx="0"/>
+    <cs:fontRef idx="minor">
+      <a:schemeClr val="tx1"/>
+    </cs:fontRef>
+    <cs:spPr>
+      <a:ln w="9525">
+        <a:solidFill>
+          <a:schemeClr val="phClr"/>
+        </a:solidFill>
+      </a:ln>
+    </cs:spPr>
+  </cs:dataPointMarker>
+  <cs:dataPointMarkerLayout symbol="circle" size="5"/>
+  <cs:dataPointWireframe>
+    <cs:lnRef idx="0">
+      <cs:styleClr val="auto"/>
+    </cs:lnRef>
+    <cs:fillRef idx="1"/>
+    <cs:effectRef idx="0"/>
+    <cs:fontRef idx="minor">
+      <a:schemeClr val="tx1"/>
+    </cs:fontRef>
+    <cs:spPr>
+      <a:ln w="9525" cap="rnd">
+        <a:solidFill>
+          <a:schemeClr val="phClr"/>
+        </a:solidFill>
+        <a:round/>
+      </a:ln>
+    </cs:spPr>
+  </cs:dataPointWireframe>
+  <cs:dataTable>
+    <cs:lnRef idx="0"/>
+    <cs:fillRef idx="0"/>
+    <cs:effectRef idx="0"/>
+    <cs:fontRef idx="minor">
+      <a:schemeClr val="tx1">
+        <a:lumMod val="65000"/>
+        <a:lumOff val="35000"/>
+      </a:schemeClr>
+    </cs:fontRef>
+    <cs:spPr>
+      <a:noFill/>
+      <a:ln w="9525" cap="flat" cmpd="sng" algn="ctr">
+        <a:solidFill>
+          <a:schemeClr val="tx1">
+            <a:lumMod val="15000"/>
+            <a:lumOff val="85000"/>
+          </a:schemeClr>
+        </a:solidFill>
+        <a:round/>
+      </a:ln>
+    </cs:spPr>
+    <cs:defRPr sz="1197" kern="1200"/>
+  </cs:dataTable>
+  <cs:downBar>
+    <cs:lnRef idx="0"/>
+    <cs:fillRef idx="0"/>
+    <cs:effectRef idx="0"/>
+    <cs:fontRef idx="minor">
+      <a:schemeClr val="dk1"/>
+    </cs:fontRef>
+    <cs:spPr>
+      <a:solidFill>
+        <a:schemeClr val="dk1">
+          <a:lumMod val="65000"/>
+          <a:lumOff val="35000"/>
+        </a:schemeClr>
+      </a:solidFill>
+      <a:ln w="9525">
+        <a:solidFill>
+          <a:schemeClr val="tx1">
+            <a:lumMod val="65000"/>
+            <a:lumOff val="35000"/>
+          </a:schemeClr>
+        </a:solidFill>
+      </a:ln>
+    </cs:spPr>
+  </cs:downBar>
+  <cs:dropLine>
+    <cs:lnRef idx="0"/>
+    <cs:fillRef idx="0"/>
+    <cs:effectRef idx="0"/>
+    <cs:fontRef idx="minor">
+      <a:schemeClr val="tx1"/>
+    </cs:fontRef>
+    <cs:spPr>
+      <a:ln w="9525" cap="flat" cmpd="sng" algn="ctr">
+        <a:solidFill>
+          <a:schemeClr val="tx1">
+            <a:lumMod val="35000"/>
+            <a:lumOff val="65000"/>
+          </a:schemeClr>
+        </a:solidFill>
+        <a:round/>
+      </a:ln>
+    </cs:spPr>
+  </cs:dropLine>
+  <cs:errorBar>
+    <cs:lnRef idx="0"/>
+    <cs:fillRef idx="0"/>
+    <cs:effectRef idx="0"/>
+    <cs:fontRef idx="minor">
+      <a:schemeClr val="tx1"/>
+    </cs:fontRef>
+    <cs:spPr>
+      <a:ln w="9525" cap="flat" cmpd="sng" algn="ctr">
+        <a:solidFill>
+          <a:schemeClr val="tx1">
+            <a:lumMod val="65000"/>
+            <a:lumOff val="35000"/>
+          </a:schemeClr>
+        </a:solidFill>
+        <a:round/>
+      </a:ln>
+    </cs:spPr>
+  </cs:errorBar>
+  <cs:floor>
+    <cs:lnRef idx="0"/>
+    <cs:fillRef idx="0"/>
+    <cs:effectRef idx="0"/>
+    <cs:fontRef idx="minor">
+      <a:schemeClr val="tx1"/>
+    </cs:fontRef>
+    <cs:spPr>
+      <a:noFill/>
+      <a:ln>
+        <a:noFill/>
+      </a:ln>
+    </cs:spPr>
+  </cs:floor>
+  <cs:gridlineMajor>
+    <cs:lnRef idx="0"/>
+    <cs:fillRef idx="0"/>
+    <cs:effectRef idx="0"/>
+    <cs:fontRef idx="minor">
+      <a:schemeClr val="tx1"/>
+    </cs:fontRef>
+    <cs:spPr>
+      <a:ln w="9525" cap="flat" cmpd="sng" algn="ctr">
+        <a:solidFill>
+          <a:schemeClr val="tx1">
+            <a:lumMod val="15000"/>
+            <a:lumOff val="85000"/>
+          </a:schemeClr>
+        </a:solidFill>
+        <a:round/>
+      </a:ln>
+    </cs:spPr>
+  </cs:gridlineMajor>
+  <cs:gridlineMinor>
+    <cs:lnRef idx="0"/>
+    <cs:fillRef idx="0"/>
+    <cs:effectRef idx="0"/>
+    <cs:fontRef idx="minor">
+      <a:schemeClr val="tx1"/>
+    </cs:fontRef>
+    <cs:spPr>
+      <a:ln w="9525" cap="flat" cmpd="sng" algn="ctr">
+        <a:solidFill>
+          <a:schemeClr val="tx1">
+            <a:lumMod val="5000"/>
+            <a:lumOff val="95000"/>
+          </a:schemeClr>
+        </a:solidFill>
+        <a:round/>
+      </a:ln>
+    </cs:spPr>
+  </cs:gridlineMinor>
+  <cs:hiLoLine>
+    <cs:lnRef idx="0"/>
+    <cs:fillRef idx="0"/>
+    <cs:effectRef idx="0"/>
+    <cs:fontRef idx="minor">
+      <a:schemeClr val="tx1"/>
+    </cs:fontRef>
+    <cs:spPr>
+      <a:ln w="9525" cap="flat" cmpd="sng" algn="ctr">
+        <a:solidFill>
+          <a:schemeClr val="tx1">
+            <a:lumMod val="75000"/>
+            <a:lumOff val="25000"/>
+          </a:schemeClr>
+        </a:solidFill>
+        <a:round/>
+      </a:ln>
+    </cs:spPr>
+  </cs:hiLoLine>
+  <cs:leaderLine>
+    <cs:lnRef idx="0"/>
+    <cs:fillRef idx="0"/>
+    <cs:effectRef idx="0"/>
+    <cs:fontRef idx="minor">
+      <a:schemeClr val="tx1"/>
+    </cs:fontRef>
+    <cs:spPr>
+      <a:ln w="9525" cap="flat" cmpd="sng" algn="ctr">
+        <a:solidFill>
+          <a:schemeClr val="tx1">
+            <a:lumMod val="35000"/>
+            <a:lumOff val="65000"/>
+          </a:schemeClr>
+        </a:solidFill>
+        <a:round/>
+      </a:ln>
+    </cs:spPr>
+  </cs:leaderLine>
+  <cs:legend>
+    <cs:lnRef idx="0"/>
+    <cs:fillRef idx="0"/>
+    <cs:effectRef idx="0"/>
+    <cs:fontRef idx="minor">
+      <a:schemeClr val="tx1">
+        <a:lumMod val="65000"/>
+        <a:lumOff val="35000"/>
+      </a:schemeClr>
+    </cs:fontRef>
+    <cs:defRPr sz="1197" kern="1200"/>
+  </cs:legend>
+  <cs:plotArea mods="allowNoFillOverride allowNoLineOverride">
+    <cs:lnRef idx="0"/>
+    <cs:fillRef idx="0"/>
+    <cs:effectRef idx="0"/>
+    <cs:fontRef idx="minor">
+      <a:schemeClr val="tx1"/>
+    </cs:fontRef>
+  </cs:plotArea>
+  <cs:plotArea3D mods="allowNoFillOverride allowNoLineOverride">
+    <cs:lnRef idx="0"/>
+    <cs:fillRef idx="0"/>
+    <cs:effectRef idx="0"/>
+    <cs:fontRef idx="minor">
+      <a:schemeClr val="tx1"/>
+    </cs:fontRef>
+  </cs:plotArea3D>
+  <cs:seriesAxis>
+    <cs:lnRef idx="0"/>
+    <cs:fillRef idx="0"/>
+    <cs:effectRef idx="0"/>
+    <cs:fontRef idx="minor">
+      <a:schemeClr val="tx1">
+        <a:lumMod val="65000"/>
+        <a:lumOff val="35000"/>
+      </a:schemeClr>
+    </cs:fontRef>
+    <cs:defRPr sz="1197" kern="1200"/>
+  </cs:seriesAxis>
+  <cs:seriesLine>
+    <cs:lnRef idx="0"/>
+    <cs:fillRef idx="0"/>
+    <cs:effectRef idx="0"/>
+    <cs:fontRef idx="minor">
+      <a:schemeClr val="tx1"/>
+    </cs:fontRef>
+    <cs:spPr>
+      <a:ln w="9525" cap="flat" cmpd="sng" algn="ctr">
+        <a:solidFill>
+          <a:schemeClr val="tx1">
+            <a:lumMod val="35000"/>
+            <a:lumOff val="65000"/>
+          </a:schemeClr>
+        </a:solidFill>
+        <a:round/>
+      </a:ln>
+    </cs:spPr>
+  </cs:seriesLine>
+  <cs:title>
+    <cs:lnRef idx="0"/>
+    <cs:fillRef idx="0"/>
+    <cs:effectRef idx="0"/>
+    <cs:fontRef idx="minor">
+      <a:schemeClr val="tx1">
+        <a:lumMod val="65000"/>
+        <a:lumOff val="35000"/>
+      </a:schemeClr>
+    </cs:fontRef>
+    <cs:defRPr sz="1862" b="0" kern="1200" spc="0" baseline="0"/>
+  </cs:title>
+  <cs:trendline>
+    <cs:lnRef idx="0">
+      <cs:styleClr val="auto"/>
+    </cs:lnRef>
+    <cs:fillRef idx="0"/>
+    <cs:effectRef idx="0"/>
+    <cs:fontRef idx="minor">
+      <a:schemeClr val="tx1"/>
+    </cs:fontRef>
+    <cs:spPr>
+      <a:ln w="19050" cap="rnd">
+        <a:solidFill>
+          <a:schemeClr val="phClr"/>
+        </a:solidFill>
+        <a:prstDash val="sysDot"/>
+      </a:ln>
+    </cs:spPr>
+  </cs:trendline>
+  <cs:trendlineLabel>
+    <cs:lnRef idx="0"/>
+    <cs:fillRef idx="0"/>
+    <cs:effectRef idx="0"/>
+    <cs:fontRef idx="minor">
+      <a:schemeClr val="tx1">
+        <a:lumMod val="65000"/>
+        <a:lumOff val="35000"/>
+      </a:schemeClr>
+    </cs:fontRef>
+    <cs:defRPr sz="1197" kern="1200"/>
+  </cs:trendlineLabel>
+  <cs:upBar>
+    <cs:lnRef idx="0"/>
+    <cs:fillRef idx="0"/>
+    <cs:effectRef idx="0"/>
+    <cs:fontRef idx="minor">
+      <a:schemeClr val="dk1"/>
+    </cs:fontRef>
+    <cs:spPr>
+      <a:solidFill>
+        <a:schemeClr val="lt1"/>
+      </a:solidFill>
+      <a:ln w="9525">
+        <a:solidFill>
+          <a:schemeClr val="tx1">
+            <a:lumMod val="15000"/>
+            <a:lumOff val="85000"/>
+          </a:schemeClr>
+        </a:solidFill>
+      </a:ln>
+    </cs:spPr>
+  </cs:upBar>
+  <cs:valueAxis>
+    <cs:lnRef idx="0"/>
+    <cs:fillRef idx="0"/>
+    <cs:effectRef idx="0"/>
+    <cs:fontRef idx="minor">
+      <a:schemeClr val="tx1">
+        <a:lumMod val="65000"/>
+        <a:lumOff val="35000"/>
+      </a:schemeClr>
+    </cs:fontRef>
+    <cs:defRPr sz="1197" kern="1200"/>
+  </cs:valueAxis>
+  <cs:wall>
+    <cs:lnRef idx="0"/>
+    <cs:fillRef idx="0"/>
+    <cs:effectRef idx="0"/>
+    <cs:fontRef idx="minor">
+      <a:schemeClr val="tx1"/>
+    </cs:fontRef>
+    <cs:spPr>
+      <a:noFill/>
+      <a:ln>
+        <a:noFill/>
+      </a:ln>
+    </cs:spPr>
+  </cs:wall>
+</cs:chartStyle>
 </file>
 
 <file path=ppt/notesMasters/notesMaster1.xml><?xml version="1.0" encoding="utf-8"?>
@@ -1824,7 +2864,7 @@
           <a:p>
             <a:fld id="{D466BBBA-9A97-4E7F-980C-016C1074E9A2}" type="datetimeFigureOut">
               <a:rPr lang="en-US" smtClean="0"/>
-              <a:t>6/19/2017</a:t>
+              <a:t>20-Jun-17</a:t>
             </a:fld>
             <a:endParaRPr lang="en-US"/>
           </a:p>
@@ -2015,7 +3055,7 @@
           <a:p>
             <a:fld id="{D466BBBA-9A97-4E7F-980C-016C1074E9A2}" type="datetimeFigureOut">
               <a:rPr lang="en-US" smtClean="0"/>
-              <a:t>6/19/2017</a:t>
+              <a:t>20-Jun-17</a:t>
             </a:fld>
             <a:endParaRPr lang="en-US"/>
           </a:p>
@@ -2216,7 +3256,7 @@
           <a:p>
             <a:fld id="{D466BBBA-9A97-4E7F-980C-016C1074E9A2}" type="datetimeFigureOut">
               <a:rPr lang="en-US" smtClean="0"/>
-              <a:t>6/19/2017</a:t>
+              <a:t>20-Jun-17</a:t>
             </a:fld>
             <a:endParaRPr lang="en-US"/>
           </a:p>
@@ -2640,7 +3680,7 @@
           <a:p>
             <a:fld id="{D466BBBA-9A97-4E7F-980C-016C1074E9A2}" type="datetimeFigureOut">
               <a:rPr lang="en-US" smtClean="0"/>
-              <a:t>6/19/2017</a:t>
+              <a:t>20-Jun-17</a:t>
             </a:fld>
             <a:endParaRPr lang="en-US"/>
           </a:p>
@@ -2908,7 +3948,7 @@
           <a:p>
             <a:fld id="{D466BBBA-9A97-4E7F-980C-016C1074E9A2}" type="datetimeFigureOut">
               <a:rPr lang="en-US" smtClean="0"/>
-              <a:t>6/19/2017</a:t>
+              <a:t>20-Jun-17</a:t>
             </a:fld>
             <a:endParaRPr lang="en-US"/>
           </a:p>
@@ -3160,7 +4200,7 @@
           <a:p>
             <a:fld id="{D466BBBA-9A97-4E7F-980C-016C1074E9A2}" type="datetimeFigureOut">
               <a:rPr lang="en-US" smtClean="0"/>
-              <a:t>6/19/2017</a:t>
+              <a:t>20-Jun-17</a:t>
             </a:fld>
             <a:endParaRPr lang="en-US"/>
           </a:p>
@@ -3547,7 +4587,7 @@
           <a:p>
             <a:fld id="{D466BBBA-9A97-4E7F-980C-016C1074E9A2}" type="datetimeFigureOut">
               <a:rPr lang="en-US" smtClean="0"/>
-              <a:t>6/19/2017</a:t>
+              <a:t>20-Jun-17</a:t>
             </a:fld>
             <a:endParaRPr lang="en-US"/>
           </a:p>
@@ -3687,7 +4727,7 @@
           <a:p>
             <a:fld id="{D466BBBA-9A97-4E7F-980C-016C1074E9A2}" type="datetimeFigureOut">
               <a:rPr lang="en-US" smtClean="0"/>
-              <a:t>6/19/2017</a:t>
+              <a:t>20-Jun-17</a:t>
             </a:fld>
             <a:endParaRPr lang="en-US"/>
           </a:p>
@@ -3805,7 +4845,7 @@
           <a:p>
             <a:fld id="{D466BBBA-9A97-4E7F-980C-016C1074E9A2}" type="datetimeFigureOut">
               <a:rPr lang="en-US" smtClean="0"/>
-              <a:t>6/19/2017</a:t>
+              <a:t>20-Jun-17</a:t>
             </a:fld>
             <a:endParaRPr lang="en-US"/>
           </a:p>
@@ -4086,7 +5126,7 @@
           <a:p>
             <a:fld id="{D466BBBA-9A97-4E7F-980C-016C1074E9A2}" type="datetimeFigureOut">
               <a:rPr lang="en-US" smtClean="0"/>
-              <a:t>6/19/2017</a:t>
+              <a:t>20-Jun-17</a:t>
             </a:fld>
             <a:endParaRPr lang="en-US"/>
           </a:p>
@@ -4361,7 +5401,7 @@
           <a:p>
             <a:fld id="{D466BBBA-9A97-4E7F-980C-016C1074E9A2}" type="datetimeFigureOut">
               <a:rPr lang="en-US" smtClean="0"/>
-              <a:t>6/19/2017</a:t>
+              <a:t>20-Jun-17</a:t>
             </a:fld>
             <a:endParaRPr lang="en-US"/>
           </a:p>
@@ -4595,7 +5635,7 @@
           <a:p>
             <a:fld id="{D466BBBA-9A97-4E7F-980C-016C1074E9A2}" type="datetimeFigureOut">
               <a:rPr lang="en-US" smtClean="0"/>
-              <a:t>6/19/2017</a:t>
+              <a:t>20-Jun-17</a:t>
             </a:fld>
             <a:endParaRPr lang="en-US"/>
           </a:p>
@@ -7740,14 +8780,14 @@
           <p:nvPr>
             <p:extLst>
               <p:ext uri="{D42A27DB-BD31-4B8C-83A1-F6EECF244321}">
-                <p14:modId xmlns:p14="http://schemas.microsoft.com/office/powerpoint/2010/main" val="4208149121"/>
+                <p14:modId xmlns:p14="http://schemas.microsoft.com/office/powerpoint/2010/main" val="359288621"/>
               </p:ext>
             </p:extLst>
           </p:nvPr>
         </p:nvGraphicFramePr>
         <p:xfrm>
-          <a:off x="427029" y="955589"/>
-          <a:ext cx="2793966" cy="2178735"/>
+          <a:off x="427029" y="1005839"/>
+          <a:ext cx="2540615" cy="3298026"/>
         </p:xfrm>
         <a:graphic>
           <a:graphicData uri="http://schemas.openxmlformats.org/drawingml/2006/table">
@@ -7756,47 +8796,136 @@
                 <a:tableStyleId>{5C22544A-7EE6-4342-B048-85BDC9FD1C3A}</a:tableStyleId>
               </a:tblPr>
               <a:tblGrid>
-                <a:gridCol w="1396983">
+                <a:gridCol w="508123">
                   <a:extLst>
                     <a:ext uri="{9D8B030D-6E8A-4147-A177-3AD203B41FA5}">
                       <a16:colId xmlns:a16="http://schemas.microsoft.com/office/drawing/2014/main" val="1588235122"/>
                     </a:ext>
                   </a:extLst>
                 </a:gridCol>
-                <a:gridCol w="1396983">
+                <a:gridCol w="508123">
                   <a:extLst>
                     <a:ext uri="{9D8B030D-6E8A-4147-A177-3AD203B41FA5}">
                       <a16:colId xmlns:a16="http://schemas.microsoft.com/office/drawing/2014/main" val="389616745"/>
                     </a:ext>
                   </a:extLst>
                 </a:gridCol>
+                <a:gridCol w="508123">
+                  <a:extLst>
+                    <a:ext uri="{9D8B030D-6E8A-4147-A177-3AD203B41FA5}">
+                      <a16:colId xmlns:a16="http://schemas.microsoft.com/office/drawing/2014/main" val="1832127985"/>
+                    </a:ext>
+                  </a:extLst>
+                </a:gridCol>
+                <a:gridCol w="508123">
+                  <a:extLst>
+                    <a:ext uri="{9D8B030D-6E8A-4147-A177-3AD203B41FA5}">
+                      <a16:colId xmlns:a16="http://schemas.microsoft.com/office/drawing/2014/main" val="1912791830"/>
+                    </a:ext>
+                  </a:extLst>
+                </a:gridCol>
+                <a:gridCol w="508123">
+                  <a:extLst>
+                    <a:ext uri="{9D8B030D-6E8A-4147-A177-3AD203B41FA5}">
+                      <a16:colId xmlns:a16="http://schemas.microsoft.com/office/drawing/2014/main" val="3176206923"/>
+                    </a:ext>
+                  </a:extLst>
+                </a:gridCol>
               </a:tblGrid>
-              <a:tr h="435747">
+              <a:tr h="1300844">
                 <a:tc>
                   <a:txBody>
                     <a:bodyPr/>
                     <a:lstStyle/>
                     <a:p>
+                      <a:pPr algn="ctr"/>
                       <a:r>
                         <a:rPr lang="en-US" dirty="0"/>
-                        <a:t>Infills</a:t>
+                        <a:t>Infills/</a:t>
+                      </a:r>
+                      <a:endParaRPr lang="en-US" dirty="0"/>
+                    </a:p>
+                    <a:p>
+                      <a:pPr marL="0" marR="0" lvl="0" indent="0" algn="ctr" defTabSz="685800" rtl="0" eaLnBrk="1" fontAlgn="auto" latinLnBrk="0" hangingPunct="1">
+                        <a:lnSpc>
+                          <a:spcPct val="100000"/>
+                        </a:lnSpc>
+                        <a:spcBef>
+                          <a:spcPts val="0"/>
+                        </a:spcBef>
+                        <a:spcAft>
+                          <a:spcPts val="0"/>
+                        </a:spcAft>
+                        <a:buClrTx/>
+                        <a:buSzTx/>
+                        <a:buFontTx/>
+                        <a:buNone/>
+                        <a:tabLst/>
+                        <a:defRPr/>
+                      </a:pPr>
+                      <a:r>
+                        <a:rPr lang="en-US" dirty="0"/>
+                        <a:t>4mmX8mm</a:t>
                       </a:r>
                     </a:p>
                   </a:txBody>
-                  <a:tcPr/>
+                  <a:tcPr anchor="ctr"/>
                 </a:tc>
                 <a:tc>
                   <a:txBody>
                     <a:bodyPr/>
                     <a:lstStyle/>
                     <a:p>
+                      <a:pPr algn="ctr"/>
                       <a:r>
                         <a:rPr lang="en-US" dirty="0"/>
-                        <a:t>4mmX8mm</a:t>
+                        <a:t>(1)</a:t>
                       </a:r>
                     </a:p>
                   </a:txBody>
-                  <a:tcPr/>
+                  <a:tcPr anchor="ctr"/>
+                </a:tc>
+                <a:tc>
+                  <a:txBody>
+                    <a:bodyPr/>
+                    <a:lstStyle/>
+                    <a:p>
+                      <a:pPr algn="ctr"/>
+                      <a:r>
+                        <a:rPr lang="en-US" dirty="0"/>
+                        <a:t>(2)</a:t>
+                      </a:r>
+                    </a:p>
+                  </a:txBody>
+                  <a:tcPr anchor="ctr"/>
+                </a:tc>
+                <a:tc>
+                  <a:txBody>
+                    <a:bodyPr/>
+                    <a:lstStyle/>
+                    <a:p>
+                      <a:pPr algn="ctr"/>
+                      <a:r>
+                        <a:rPr lang="en-US" dirty="0"/>
+                        <a:t>(3)</a:t>
+                      </a:r>
+                    </a:p>
+                  </a:txBody>
+                  <a:tcPr anchor="ctr"/>
+                </a:tc>
+                <a:tc>
+                  <a:txBody>
+                    <a:bodyPr/>
+                    <a:lstStyle/>
+                    <a:p>
+                      <a:pPr algn="ctr"/>
+                      <a:r>
+                        <a:rPr lang="en-US" dirty="0"/>
+                        <a:t>Average</a:t>
+                      </a:r>
+                    </a:p>
+                  </a:txBody>
+                  <a:tcPr anchor="ctr"/>
                 </a:tc>
                 <a:extLst>
                   <a:ext uri="{0D108BD9-81ED-4DB2-BD59-A6C34878D82A}">
@@ -7804,29 +8933,73 @@
                   </a:ext>
                 </a:extLst>
               </a:tr>
-              <a:tr h="435747">
+              <a:tr h="495671">
                 <a:tc>
                   <a:txBody>
                     <a:bodyPr/>
                     <a:lstStyle/>
                     <a:p>
+                      <a:pPr algn="ctr"/>
                       <a:r>
                         <a:rPr lang="en-US" dirty="0"/>
                         <a:t>10%</a:t>
                       </a:r>
                     </a:p>
                   </a:txBody>
-                  <a:tcPr/>
+                  <a:tcPr anchor="ctr"/>
                 </a:tc>
                 <a:tc>
                   <a:txBody>
                     <a:bodyPr/>
                     <a:lstStyle/>
                     <a:p>
+                      <a:pPr algn="ctr"/>
+                      <a:r>
+                        <a:rPr lang="en-US" dirty="0"/>
+                        <a:t>130</a:t>
+                      </a:r>
+                    </a:p>
+                  </a:txBody>
+                  <a:tcPr anchor="ctr"/>
+                </a:tc>
+                <a:tc>
+                  <a:txBody>
+                    <a:bodyPr/>
+                    <a:lstStyle/>
+                    <a:p>
+                      <a:pPr algn="ctr"/>
+                      <a:r>
+                        <a:rPr lang="en-US" dirty="0"/>
+                        <a:t>133</a:t>
+                      </a:r>
+                    </a:p>
+                  </a:txBody>
+                  <a:tcPr anchor="ctr"/>
+                </a:tc>
+                <a:tc>
+                  <a:txBody>
+                    <a:bodyPr/>
+                    <a:lstStyle/>
+                    <a:p>
+                      <a:pPr algn="ctr"/>
+                      <a:r>
+                        <a:rPr lang="en-US" dirty="0"/>
+                        <a:t>167</a:t>
+                      </a:r>
+                    </a:p>
+                  </a:txBody>
+                  <a:tcPr anchor="ctr"/>
+                </a:tc>
+                <a:tc>
+                  <a:txBody>
+                    <a:bodyPr/>
+                    <a:lstStyle/>
+                    <a:p>
+                      <a:pPr algn="ctr"/>
                       <a:endParaRPr lang="en-US" dirty="0"/>
                     </a:p>
                   </a:txBody>
-                  <a:tcPr/>
+                  <a:tcPr anchor="ctr"/>
                 </a:tc>
                 <a:extLst>
                   <a:ext uri="{0D108BD9-81ED-4DB2-BD59-A6C34878D82A}">
@@ -7834,29 +9007,73 @@
                   </a:ext>
                 </a:extLst>
               </a:tr>
-              <a:tr h="435747">
+              <a:tr h="495671">
                 <a:tc>
                   <a:txBody>
                     <a:bodyPr/>
                     <a:lstStyle/>
                     <a:p>
+                      <a:pPr algn="ctr"/>
                       <a:r>
                         <a:rPr lang="en-US" dirty="0"/>
                         <a:t>20%</a:t>
                       </a:r>
                     </a:p>
                   </a:txBody>
-                  <a:tcPr/>
+                  <a:tcPr anchor="ctr"/>
                 </a:tc>
                 <a:tc>
                   <a:txBody>
                     <a:bodyPr/>
                     <a:lstStyle/>
                     <a:p>
+                      <a:pPr algn="ctr"/>
+                      <a:r>
+                        <a:rPr lang="en-US" dirty="0"/>
+                        <a:t>143</a:t>
+                      </a:r>
+                    </a:p>
+                  </a:txBody>
+                  <a:tcPr anchor="ctr"/>
+                </a:tc>
+                <a:tc>
+                  <a:txBody>
+                    <a:bodyPr/>
+                    <a:lstStyle/>
+                    <a:p>
+                      <a:pPr algn="ctr"/>
+                      <a:r>
+                        <a:rPr lang="en-US" dirty="0"/>
+                        <a:t>220</a:t>
+                      </a:r>
+                    </a:p>
+                  </a:txBody>
+                  <a:tcPr anchor="ctr"/>
+                </a:tc>
+                <a:tc>
+                  <a:txBody>
+                    <a:bodyPr/>
+                    <a:lstStyle/>
+                    <a:p>
+                      <a:pPr algn="ctr"/>
+                      <a:r>
+                        <a:rPr lang="en-US" dirty="0"/>
+                        <a:t>142</a:t>
+                      </a:r>
+                    </a:p>
+                  </a:txBody>
+                  <a:tcPr anchor="ctr"/>
+                </a:tc>
+                <a:tc>
+                  <a:txBody>
+                    <a:bodyPr/>
+                    <a:lstStyle/>
+                    <a:p>
+                      <a:pPr algn="ctr"/>
                       <a:endParaRPr lang="en-US" dirty="0"/>
                     </a:p>
                   </a:txBody>
-                  <a:tcPr/>
+                  <a:tcPr anchor="ctr"/>
                 </a:tc>
                 <a:extLst>
                   <a:ext uri="{0D108BD9-81ED-4DB2-BD59-A6C34878D82A}">
@@ -7864,29 +9081,73 @@
                   </a:ext>
                 </a:extLst>
               </a:tr>
-              <a:tr h="435747">
+              <a:tr h="495671">
                 <a:tc>
                   <a:txBody>
                     <a:bodyPr/>
                     <a:lstStyle/>
                     <a:p>
+                      <a:pPr algn="ctr"/>
                       <a:r>
                         <a:rPr lang="en-US" dirty="0"/>
                         <a:t>40%</a:t>
                       </a:r>
                     </a:p>
                   </a:txBody>
-                  <a:tcPr/>
+                  <a:tcPr anchor="ctr"/>
                 </a:tc>
                 <a:tc>
                   <a:txBody>
                     <a:bodyPr/>
                     <a:lstStyle/>
                     <a:p>
+                      <a:pPr algn="ctr"/>
+                      <a:r>
+                        <a:rPr lang="en-US" dirty="0"/>
+                        <a:t>124.7 </a:t>
+                      </a:r>
+                    </a:p>
+                  </a:txBody>
+                  <a:tcPr anchor="ctr"/>
+                </a:tc>
+                <a:tc>
+                  <a:txBody>
+                    <a:bodyPr/>
+                    <a:lstStyle/>
+                    <a:p>
+                      <a:pPr algn="ctr"/>
+                      <a:r>
+                        <a:rPr lang="en-US" dirty="0"/>
+                        <a:t>75</a:t>
+                      </a:r>
+                    </a:p>
+                  </a:txBody>
+                  <a:tcPr anchor="ctr"/>
+                </a:tc>
+                <a:tc>
+                  <a:txBody>
+                    <a:bodyPr/>
+                    <a:lstStyle/>
+                    <a:p>
+                      <a:pPr algn="ctr"/>
+                      <a:r>
+                        <a:rPr lang="en-US" dirty="0"/>
+                        <a:t>193</a:t>
+                      </a:r>
+                    </a:p>
+                  </a:txBody>
+                  <a:tcPr anchor="ctr"/>
+                </a:tc>
+                <a:tc>
+                  <a:txBody>
+                    <a:bodyPr/>
+                    <a:lstStyle/>
+                    <a:p>
+                      <a:pPr algn="ctr"/>
                       <a:endParaRPr lang="en-US" dirty="0"/>
                     </a:p>
                   </a:txBody>
-                  <a:tcPr/>
+                  <a:tcPr anchor="ctr"/>
                 </a:tc>
                 <a:extLst>
                   <a:ext uri="{0D108BD9-81ED-4DB2-BD59-A6C34878D82A}">
@@ -7894,29 +9155,89 @@
                   </a:ext>
                 </a:extLst>
               </a:tr>
-              <a:tr h="435747">
+              <a:tr h="495671">
                 <a:tc>
                   <a:txBody>
                     <a:bodyPr/>
                     <a:lstStyle/>
                     <a:p>
+                      <a:pPr algn="ctr"/>
                       <a:r>
                         <a:rPr lang="en-US" dirty="0"/>
                         <a:t>80%</a:t>
                       </a:r>
                     </a:p>
                   </a:txBody>
-                  <a:tcPr/>
+                  <a:tcPr anchor="ctr"/>
                 </a:tc>
                 <a:tc>
                   <a:txBody>
                     <a:bodyPr/>
                     <a:lstStyle/>
                     <a:p>
+                      <a:pPr marL="0" marR="0" lvl="0" indent="0" algn="ctr" defTabSz="685800" rtl="0" eaLnBrk="1" fontAlgn="auto" latinLnBrk="0" hangingPunct="1">
+                        <a:lnSpc>
+                          <a:spcPct val="100000"/>
+                        </a:lnSpc>
+                        <a:spcBef>
+                          <a:spcPts val="0"/>
+                        </a:spcBef>
+                        <a:spcAft>
+                          <a:spcPts val="0"/>
+                        </a:spcAft>
+                        <a:buClrTx/>
+                        <a:buSzTx/>
+                        <a:buFontTx/>
+                        <a:buNone/>
+                        <a:tabLst/>
+                        <a:defRPr/>
+                      </a:pPr>
+                      <a:r>
+                        <a:rPr lang="en-US" dirty="0"/>
+                        <a:t>114.5</a:t>
+                      </a:r>
+                    </a:p>
+                  </a:txBody>
+                  <a:tcPr anchor="ctr"/>
+                </a:tc>
+                <a:tc>
+                  <a:txBody>
+                    <a:bodyPr/>
+                    <a:lstStyle/>
+                    <a:p>
+                      <a:pPr algn="ctr"/>
+                      <a:r>
+                        <a:rPr lang="en-US" dirty="0"/>
+                        <a:t>141</a:t>
+                      </a:r>
+                    </a:p>
+                  </a:txBody>
+                  <a:tcPr anchor="ctr"/>
+                </a:tc>
+                <a:tc>
+                  <a:txBody>
+                    <a:bodyPr/>
+                    <a:lstStyle/>
+                    <a:p>
+                      <a:pPr algn="ctr"/>
+                      <a:r>
+                        <a:rPr lang="en-US" dirty="0"/>
+                        <a:t>125</a:t>
+                      </a:r>
+                    </a:p>
+                  </a:txBody>
+                  <a:tcPr anchor="ctr"/>
+                </a:tc>
+                <a:tc>
+                  <a:txBody>
+                    <a:bodyPr/>
+                    <a:lstStyle/>
+                    <a:p>
+                      <a:pPr algn="ctr"/>
                       <a:endParaRPr lang="en-US" dirty="0"/>
                     </a:p>
                   </a:txBody>
-                  <a:tcPr/>
+                  <a:tcPr anchor="ctr"/>
                 </a:tc>
                 <a:extLst>
                   <a:ext uri="{0D108BD9-81ED-4DB2-BD59-A6C34878D82A}">
@@ -7925,6 +9246,28 @@
                 </a:extLst>
               </a:tr>
             </a:tbl>
+          </a:graphicData>
+        </a:graphic>
+      </p:graphicFrame>
+      <p:graphicFrame>
+        <p:nvGraphicFramePr>
+          <p:cNvPr id="12" name="Chart 11"/>
+          <p:cNvGraphicFramePr/>
+          <p:nvPr>
+            <p:extLst>
+              <p:ext uri="{D42A27DB-BD31-4B8C-83A1-F6EECF244321}">
+                <p14:modId xmlns:p14="http://schemas.microsoft.com/office/powerpoint/2010/main" val="1109106483"/>
+              </p:ext>
+            </p:extLst>
+          </p:nvPr>
+        </p:nvGraphicFramePr>
+        <p:xfrm>
+          <a:off x="2967644" y="739256"/>
+          <a:ext cx="6096000" cy="4064000"/>
+        </p:xfrm>
+        <a:graphic>
+          <a:graphicData uri="http://schemas.openxmlformats.org/drawingml/2006/chart">
+            <c:chart xmlns:c="http://schemas.openxmlformats.org/drawingml/2006/chart" xmlns:r="http://schemas.openxmlformats.org/officeDocument/2006/relationships" r:id="rId2"/>
           </a:graphicData>
         </a:graphic>
       </p:graphicFrame>

--- a/Report/Development of Artificial Robotic Arm based on Tactile Sensor_20170515.pptx
+++ b/Report/Development of Artificial Robotic Arm based on Tactile Sensor_20170515.pptx
@@ -5,7 +5,7 @@
     <p:sldMasterId id="2147483660" r:id="rId1"/>
   </p:sldMasterIdLst>
   <p:notesMasterIdLst>
-    <p:notesMasterId r:id="rId26"/>
+    <p:notesMasterId r:id="rId27"/>
   </p:notesMasterIdLst>
   <p:sldIdLst>
     <p:sldId id="256" r:id="rId2"/>
@@ -31,29 +31,30 @@
     <p:sldId id="282" r:id="rId22"/>
     <p:sldId id="283" r:id="rId23"/>
     <p:sldId id="280" r:id="rId24"/>
-    <p:sldId id="262" r:id="rId25"/>
+    <p:sldId id="284" r:id="rId25"/>
+    <p:sldId id="262" r:id="rId26"/>
   </p:sldIdLst>
   <p:sldSz cx="9144000" cy="5143500" type="screen16x9"/>
   <p:notesSz cx="6858000" cy="9144000"/>
   <p:embeddedFontLst>
     <p:embeddedFont>
       <p:font typeface="Calibri Light" panose="020F0302020204030204" pitchFamily="34" charset="0"/>
-      <p:regular r:id="rId27"/>
-      <p:italic r:id="rId28"/>
+      <p:regular r:id="rId28"/>
+      <p:italic r:id="rId29"/>
     </p:embeddedFont>
     <p:embeddedFont>
       <p:font typeface="Calibri" panose="020F0502020204030204" pitchFamily="34" charset="0"/>
-      <p:regular r:id="rId29"/>
-      <p:bold r:id="rId30"/>
-      <p:italic r:id="rId31"/>
-      <p:boldItalic r:id="rId32"/>
+      <p:regular r:id="rId30"/>
+      <p:bold r:id="rId31"/>
+      <p:italic r:id="rId32"/>
+      <p:boldItalic r:id="rId33"/>
     </p:embeddedFont>
     <p:embeddedFont>
       <p:font typeface="Economica" panose="020B0604020202020204" charset="0"/>
-      <p:regular r:id="rId33"/>
-      <p:bold r:id="rId34"/>
-      <p:italic r:id="rId35"/>
-      <p:boldItalic r:id="rId36"/>
+      <p:regular r:id="rId34"/>
+      <p:bold r:id="rId35"/>
+      <p:italic r:id="rId36"/>
+      <p:boldItalic r:id="rId37"/>
     </p:embeddedFont>
   </p:embeddedFontLst>
   <p:defaultTextStyle>
@@ -161,1046 +162,6 @@
 
 <file path=ppt/revisionInfo.xml><?xml version="1.0" encoding="utf-8"?>
 <p1510:revInfo xmlns:a="http://schemas.openxmlformats.org/drawingml/2006/main" xmlns:r="http://schemas.openxmlformats.org/officeDocument/2006/relationships" xmlns:p1510="http://schemas.microsoft.com/office/powerpoint/2015/10/main"/>
-</file>
-
-<file path=ppt/charts/chart1.xml><?xml version="1.0" encoding="utf-8"?>
-<c:chartSpace xmlns:c="http://schemas.openxmlformats.org/drawingml/2006/chart" xmlns:a="http://schemas.openxmlformats.org/drawingml/2006/main" xmlns:r="http://schemas.openxmlformats.org/officeDocument/2006/relationships" xmlns:c16r2="http://schemas.microsoft.com/office/drawing/2015/06/chart">
-  <c:date1904 val="0"/>
-  <c:lang val="en-US"/>
-  <c:roundedCorners val="0"/>
-  <mc:AlternateContent xmlns:mc="http://schemas.openxmlformats.org/markup-compatibility/2006">
-    <mc:Choice xmlns:c14="http://schemas.microsoft.com/office/drawing/2007/8/2/chart" Requires="c14">
-      <c14:style val="102"/>
-    </mc:Choice>
-    <mc:Fallback>
-      <c:style val="2"/>
-    </mc:Fallback>
-  </mc:AlternateContent>
-  <c:chart>
-    <c:title>
-      <c:overlay val="0"/>
-      <c:spPr>
-        <a:noFill/>
-        <a:ln>
-          <a:noFill/>
-        </a:ln>
-        <a:effectLst/>
-      </c:spPr>
-      <c:txPr>
-        <a:bodyPr rot="0" spcFirstLastPara="1" vertOverflow="ellipsis" vert="horz" wrap="square" anchor="ctr" anchorCtr="1"/>
-        <a:lstStyle/>
-        <a:p>
-          <a:pPr>
-            <a:defRPr sz="1862" b="0" i="0" u="none" strike="noStrike" kern="1200" spc="0" baseline="0">
-              <a:solidFill>
-                <a:schemeClr val="tx1">
-                  <a:lumMod val="65000"/>
-                  <a:lumOff val="35000"/>
-                </a:schemeClr>
-              </a:solidFill>
-              <a:latin typeface="+mn-lt"/>
-              <a:ea typeface="+mn-ea"/>
-              <a:cs typeface="+mn-cs"/>
-            </a:defRPr>
-          </a:pPr>
-          <a:endParaRPr lang="en-US"/>
-        </a:p>
-      </c:txPr>
-    </c:title>
-    <c:autoTitleDeleted val="0"/>
-    <c:plotArea>
-      <c:layout/>
-      <c:lineChart>
-        <c:grouping val="standard"/>
-        <c:varyColors val="0"/>
-        <c:ser>
-          <c:idx val="0"/>
-          <c:order val="0"/>
-          <c:tx>
-            <c:strRef>
-              <c:f>Sheet1!$B$1</c:f>
-              <c:strCache>
-                <c:ptCount val="1"/>
-                <c:pt idx="0">
-                  <c:v>1</c:v>
-                </c:pt>
-              </c:strCache>
-            </c:strRef>
-          </c:tx>
-          <c:spPr>
-            <a:ln w="28575" cap="rnd">
-              <a:solidFill>
-                <a:schemeClr val="accent1"/>
-              </a:solidFill>
-              <a:round/>
-            </a:ln>
-            <a:effectLst/>
-          </c:spPr>
-          <c:marker>
-            <c:symbol val="circle"/>
-            <c:size val="5"/>
-            <c:spPr>
-              <a:solidFill>
-                <a:schemeClr val="accent1"/>
-              </a:solidFill>
-              <a:ln w="9525">
-                <a:solidFill>
-                  <a:schemeClr val="accent1"/>
-                </a:solidFill>
-              </a:ln>
-              <a:effectLst/>
-            </c:spPr>
-          </c:marker>
-          <c:cat>
-            <c:numRef>
-              <c:f>Sheet1!$A$2:$A$5</c:f>
-              <c:numCache>
-                <c:formatCode>0%</c:formatCode>
-                <c:ptCount val="4"/>
-                <c:pt idx="0">
-                  <c:v>0.1</c:v>
-                </c:pt>
-                <c:pt idx="1">
-                  <c:v>0.2</c:v>
-                </c:pt>
-                <c:pt idx="2">
-                  <c:v>0.4</c:v>
-                </c:pt>
-                <c:pt idx="3">
-                  <c:v>0.8</c:v>
-                </c:pt>
-              </c:numCache>
-            </c:numRef>
-          </c:cat>
-          <c:val>
-            <c:numRef>
-              <c:f>Sheet1!$B$2:$B$5</c:f>
-              <c:numCache>
-                <c:formatCode>General</c:formatCode>
-                <c:ptCount val="4"/>
-                <c:pt idx="0">
-                  <c:v>130</c:v>
-                </c:pt>
-                <c:pt idx="1">
-                  <c:v>143</c:v>
-                </c:pt>
-                <c:pt idx="2">
-                  <c:v>124.7</c:v>
-                </c:pt>
-                <c:pt idx="3">
-                  <c:v>114.5</c:v>
-                </c:pt>
-              </c:numCache>
-            </c:numRef>
-          </c:val>
-          <c:smooth val="0"/>
-          <c:extLst>
-            <c:ext xmlns:c16="http://schemas.microsoft.com/office/drawing/2014/chart" uri="{C3380CC4-5D6E-409C-BE32-E72D297353CC}">
-              <c16:uniqueId val="{00000000-D112-42F4-9414-1D49F554CC4D}"/>
-            </c:ext>
-          </c:extLst>
-        </c:ser>
-        <c:ser>
-          <c:idx val="1"/>
-          <c:order val="1"/>
-          <c:tx>
-            <c:strRef>
-              <c:f>Sheet1!$C$1</c:f>
-              <c:strCache>
-                <c:ptCount val="1"/>
-                <c:pt idx="0">
-                  <c:v>2</c:v>
-                </c:pt>
-              </c:strCache>
-            </c:strRef>
-          </c:tx>
-          <c:spPr>
-            <a:ln w="28575" cap="rnd">
-              <a:solidFill>
-                <a:schemeClr val="accent2"/>
-              </a:solidFill>
-              <a:round/>
-            </a:ln>
-            <a:effectLst/>
-          </c:spPr>
-          <c:marker>
-            <c:symbol val="circle"/>
-            <c:size val="5"/>
-            <c:spPr>
-              <a:solidFill>
-                <a:schemeClr val="accent2"/>
-              </a:solidFill>
-              <a:ln w="9525">
-                <a:solidFill>
-                  <a:schemeClr val="accent2"/>
-                </a:solidFill>
-              </a:ln>
-              <a:effectLst/>
-            </c:spPr>
-          </c:marker>
-          <c:cat>
-            <c:numRef>
-              <c:f>Sheet1!$A$2:$A$5</c:f>
-              <c:numCache>
-                <c:formatCode>0%</c:formatCode>
-                <c:ptCount val="4"/>
-                <c:pt idx="0">
-                  <c:v>0.1</c:v>
-                </c:pt>
-                <c:pt idx="1">
-                  <c:v>0.2</c:v>
-                </c:pt>
-                <c:pt idx="2">
-                  <c:v>0.4</c:v>
-                </c:pt>
-                <c:pt idx="3">
-                  <c:v>0.8</c:v>
-                </c:pt>
-              </c:numCache>
-            </c:numRef>
-          </c:cat>
-          <c:val>
-            <c:numRef>
-              <c:f>Sheet1!$C$2:$C$5</c:f>
-              <c:numCache>
-                <c:formatCode>General</c:formatCode>
-                <c:ptCount val="4"/>
-                <c:pt idx="0">
-                  <c:v>133</c:v>
-                </c:pt>
-                <c:pt idx="1">
-                  <c:v>220</c:v>
-                </c:pt>
-                <c:pt idx="2">
-                  <c:v>75</c:v>
-                </c:pt>
-                <c:pt idx="3">
-                  <c:v>141</c:v>
-                </c:pt>
-              </c:numCache>
-            </c:numRef>
-          </c:val>
-          <c:smooth val="0"/>
-          <c:extLst>
-            <c:ext xmlns:c16="http://schemas.microsoft.com/office/drawing/2014/chart" uri="{C3380CC4-5D6E-409C-BE32-E72D297353CC}">
-              <c16:uniqueId val="{00000001-D112-42F4-9414-1D49F554CC4D}"/>
-            </c:ext>
-          </c:extLst>
-        </c:ser>
-        <c:ser>
-          <c:idx val="2"/>
-          <c:order val="2"/>
-          <c:tx>
-            <c:strRef>
-              <c:f>Sheet1!$D$1</c:f>
-              <c:strCache>
-                <c:ptCount val="1"/>
-                <c:pt idx="0">
-                  <c:v>3</c:v>
-                </c:pt>
-              </c:strCache>
-            </c:strRef>
-          </c:tx>
-          <c:spPr>
-            <a:ln w="28575" cap="rnd">
-              <a:solidFill>
-                <a:schemeClr val="accent3"/>
-              </a:solidFill>
-              <a:round/>
-            </a:ln>
-            <a:effectLst/>
-          </c:spPr>
-          <c:marker>
-            <c:symbol val="circle"/>
-            <c:size val="5"/>
-            <c:spPr>
-              <a:solidFill>
-                <a:schemeClr val="accent3"/>
-              </a:solidFill>
-              <a:ln w="9525">
-                <a:solidFill>
-                  <a:schemeClr val="accent3"/>
-                </a:solidFill>
-              </a:ln>
-              <a:effectLst/>
-            </c:spPr>
-          </c:marker>
-          <c:cat>
-            <c:numRef>
-              <c:f>Sheet1!$A$2:$A$5</c:f>
-              <c:numCache>
-                <c:formatCode>0%</c:formatCode>
-                <c:ptCount val="4"/>
-                <c:pt idx="0">
-                  <c:v>0.1</c:v>
-                </c:pt>
-                <c:pt idx="1">
-                  <c:v>0.2</c:v>
-                </c:pt>
-                <c:pt idx="2">
-                  <c:v>0.4</c:v>
-                </c:pt>
-                <c:pt idx="3">
-                  <c:v>0.8</c:v>
-                </c:pt>
-              </c:numCache>
-            </c:numRef>
-          </c:cat>
-          <c:val>
-            <c:numRef>
-              <c:f>Sheet1!$D$2:$D$5</c:f>
-              <c:numCache>
-                <c:formatCode>General</c:formatCode>
-                <c:ptCount val="4"/>
-                <c:pt idx="0">
-                  <c:v>167</c:v>
-                </c:pt>
-                <c:pt idx="1">
-                  <c:v>142</c:v>
-                </c:pt>
-                <c:pt idx="2">
-                  <c:v>193</c:v>
-                </c:pt>
-                <c:pt idx="3">
-                  <c:v>125</c:v>
-                </c:pt>
-              </c:numCache>
-            </c:numRef>
-          </c:val>
-          <c:smooth val="0"/>
-          <c:extLst>
-            <c:ext xmlns:c16="http://schemas.microsoft.com/office/drawing/2014/chart" uri="{C3380CC4-5D6E-409C-BE32-E72D297353CC}">
-              <c16:uniqueId val="{00000002-D112-42F4-9414-1D49F554CC4D}"/>
-            </c:ext>
-          </c:extLst>
-        </c:ser>
-        <c:dLbls>
-          <c:showLegendKey val="0"/>
-          <c:showVal val="0"/>
-          <c:showCatName val="0"/>
-          <c:showSerName val="0"/>
-          <c:showPercent val="0"/>
-          <c:showBubbleSize val="0"/>
-        </c:dLbls>
-        <c:marker val="1"/>
-        <c:smooth val="0"/>
-        <c:axId val="316491944"/>
-        <c:axId val="316492272"/>
-      </c:lineChart>
-      <c:catAx>
-        <c:axId val="316491944"/>
-        <c:scaling>
-          <c:orientation val="minMax"/>
-        </c:scaling>
-        <c:delete val="0"/>
-        <c:axPos val="b"/>
-        <c:numFmt formatCode="0%" sourceLinked="1"/>
-        <c:majorTickMark val="none"/>
-        <c:minorTickMark val="none"/>
-        <c:tickLblPos val="nextTo"/>
-        <c:spPr>
-          <a:noFill/>
-          <a:ln w="9525" cap="flat" cmpd="sng" algn="ctr">
-            <a:solidFill>
-              <a:schemeClr val="tx1">
-                <a:lumMod val="15000"/>
-                <a:lumOff val="85000"/>
-              </a:schemeClr>
-            </a:solidFill>
-            <a:round/>
-          </a:ln>
-          <a:effectLst/>
-        </c:spPr>
-        <c:txPr>
-          <a:bodyPr rot="-60000000" spcFirstLastPara="1" vertOverflow="ellipsis" vert="horz" wrap="square" anchor="ctr" anchorCtr="1"/>
-          <a:lstStyle/>
-          <a:p>
-            <a:pPr>
-              <a:defRPr sz="1197" b="0" i="0" u="none" strike="noStrike" kern="1200" baseline="0">
-                <a:solidFill>
-                  <a:schemeClr val="tx1">
-                    <a:lumMod val="65000"/>
-                    <a:lumOff val="35000"/>
-                  </a:schemeClr>
-                </a:solidFill>
-                <a:latin typeface="+mn-lt"/>
-                <a:ea typeface="+mn-ea"/>
-                <a:cs typeface="+mn-cs"/>
-              </a:defRPr>
-            </a:pPr>
-            <a:endParaRPr lang="en-US"/>
-          </a:p>
-        </c:txPr>
-        <c:crossAx val="316492272"/>
-        <c:crosses val="autoZero"/>
-        <c:auto val="1"/>
-        <c:lblAlgn val="ctr"/>
-        <c:lblOffset val="100"/>
-        <c:noMultiLvlLbl val="0"/>
-      </c:catAx>
-      <c:valAx>
-        <c:axId val="316492272"/>
-        <c:scaling>
-          <c:orientation val="minMax"/>
-        </c:scaling>
-        <c:delete val="0"/>
-        <c:axPos val="l"/>
-        <c:majorGridlines>
-          <c:spPr>
-            <a:ln w="9525" cap="flat" cmpd="sng" algn="ctr">
-              <a:solidFill>
-                <a:schemeClr val="tx1">
-                  <a:lumMod val="15000"/>
-                  <a:lumOff val="85000"/>
-                </a:schemeClr>
-              </a:solidFill>
-              <a:round/>
-            </a:ln>
-            <a:effectLst/>
-          </c:spPr>
-        </c:majorGridlines>
-        <c:numFmt formatCode="General" sourceLinked="1"/>
-        <c:majorTickMark val="none"/>
-        <c:minorTickMark val="none"/>
-        <c:tickLblPos val="nextTo"/>
-        <c:spPr>
-          <a:noFill/>
-          <a:ln>
-            <a:noFill/>
-          </a:ln>
-          <a:effectLst/>
-        </c:spPr>
-        <c:txPr>
-          <a:bodyPr rot="-60000000" spcFirstLastPara="1" vertOverflow="ellipsis" vert="horz" wrap="square" anchor="ctr" anchorCtr="1"/>
-          <a:lstStyle/>
-          <a:p>
-            <a:pPr>
-              <a:defRPr sz="1197" b="0" i="0" u="none" strike="noStrike" kern="1200" baseline="0">
-                <a:solidFill>
-                  <a:schemeClr val="tx1">
-                    <a:lumMod val="65000"/>
-                    <a:lumOff val="35000"/>
-                  </a:schemeClr>
-                </a:solidFill>
-                <a:latin typeface="+mn-lt"/>
-                <a:ea typeface="+mn-ea"/>
-                <a:cs typeface="+mn-cs"/>
-              </a:defRPr>
-            </a:pPr>
-            <a:endParaRPr lang="en-US"/>
-          </a:p>
-        </c:txPr>
-        <c:crossAx val="316491944"/>
-        <c:crosses val="autoZero"/>
-        <c:crossBetween val="between"/>
-      </c:valAx>
-      <c:spPr>
-        <a:noFill/>
-        <a:ln>
-          <a:noFill/>
-        </a:ln>
-        <a:effectLst/>
-      </c:spPr>
-    </c:plotArea>
-    <c:legend>
-      <c:legendPos val="b"/>
-      <c:overlay val="0"/>
-      <c:spPr>
-        <a:noFill/>
-        <a:ln>
-          <a:noFill/>
-        </a:ln>
-        <a:effectLst/>
-      </c:spPr>
-      <c:txPr>
-        <a:bodyPr rot="0" spcFirstLastPara="1" vertOverflow="ellipsis" vert="horz" wrap="square" anchor="ctr" anchorCtr="1"/>
-        <a:lstStyle/>
-        <a:p>
-          <a:pPr>
-            <a:defRPr sz="1197" b="0" i="0" u="none" strike="noStrike" kern="1200" baseline="0">
-              <a:solidFill>
-                <a:schemeClr val="tx1">
-                  <a:lumMod val="65000"/>
-                  <a:lumOff val="35000"/>
-                </a:schemeClr>
-              </a:solidFill>
-              <a:latin typeface="+mn-lt"/>
-              <a:ea typeface="+mn-ea"/>
-              <a:cs typeface="+mn-cs"/>
-            </a:defRPr>
-          </a:pPr>
-          <a:endParaRPr lang="en-US"/>
-        </a:p>
-      </c:txPr>
-    </c:legend>
-    <c:plotVisOnly val="1"/>
-    <c:dispBlanksAs val="gap"/>
-    <c:showDLblsOverMax val="0"/>
-  </c:chart>
-  <c:spPr>
-    <a:noFill/>
-    <a:ln>
-      <a:noFill/>
-    </a:ln>
-    <a:effectLst/>
-  </c:spPr>
-  <c:txPr>
-    <a:bodyPr/>
-    <a:lstStyle/>
-    <a:p>
-      <a:pPr>
-        <a:defRPr/>
-      </a:pPr>
-      <a:endParaRPr lang="en-US"/>
-    </a:p>
-  </c:txPr>
-  <c:externalData r:id="rId3">
-    <c:autoUpdate val="0"/>
-  </c:externalData>
-</c:chartSpace>
-</file>
-
-<file path=ppt/charts/colors1.xml><?xml version="1.0" encoding="utf-8"?>
-<cs:colorStyle xmlns:cs="http://schemas.microsoft.com/office/drawing/2012/chartStyle" xmlns:a="http://schemas.openxmlformats.org/drawingml/2006/main" meth="cycle" id="10">
-  <a:schemeClr val="accent1"/>
-  <a:schemeClr val="accent2"/>
-  <a:schemeClr val="accent3"/>
-  <a:schemeClr val="accent4"/>
-  <a:schemeClr val="accent5"/>
-  <a:schemeClr val="accent6"/>
-  <cs:variation/>
-  <cs:variation>
-    <a:lumMod val="60000"/>
-  </cs:variation>
-  <cs:variation>
-    <a:lumMod val="80000"/>
-    <a:lumOff val="20000"/>
-  </cs:variation>
-  <cs:variation>
-    <a:lumMod val="80000"/>
-  </cs:variation>
-  <cs:variation>
-    <a:lumMod val="60000"/>
-    <a:lumOff val="40000"/>
-  </cs:variation>
-  <cs:variation>
-    <a:lumMod val="50000"/>
-  </cs:variation>
-  <cs:variation>
-    <a:lumMod val="70000"/>
-    <a:lumOff val="30000"/>
-  </cs:variation>
-  <cs:variation>
-    <a:lumMod val="70000"/>
-  </cs:variation>
-  <cs:variation>
-    <a:lumMod val="50000"/>
-    <a:lumOff val="50000"/>
-  </cs:variation>
-</cs:colorStyle>
-</file>
-
-<file path=ppt/charts/style1.xml><?xml version="1.0" encoding="utf-8"?>
-<cs:chartStyle xmlns:cs="http://schemas.microsoft.com/office/drawing/2012/chartStyle" xmlns:a="http://schemas.openxmlformats.org/drawingml/2006/main" id="332">
-  <cs:axisTitle>
-    <cs:lnRef idx="0"/>
-    <cs:fillRef idx="0"/>
-    <cs:effectRef idx="0"/>
-    <cs:fontRef idx="minor">
-      <a:schemeClr val="tx1">
-        <a:lumMod val="65000"/>
-        <a:lumOff val="35000"/>
-      </a:schemeClr>
-    </cs:fontRef>
-    <cs:defRPr sz="1330" kern="1200"/>
-  </cs:axisTitle>
-  <cs:categoryAxis>
-    <cs:lnRef idx="0"/>
-    <cs:fillRef idx="0"/>
-    <cs:effectRef idx="0"/>
-    <cs:fontRef idx="minor">
-      <a:schemeClr val="tx1">
-        <a:lumMod val="65000"/>
-        <a:lumOff val="35000"/>
-      </a:schemeClr>
-    </cs:fontRef>
-    <cs:spPr>
-      <a:ln w="9525" cap="flat" cmpd="sng" algn="ctr">
-        <a:solidFill>
-          <a:schemeClr val="tx1">
-            <a:lumMod val="15000"/>
-            <a:lumOff val="85000"/>
-          </a:schemeClr>
-        </a:solidFill>
-        <a:round/>
-      </a:ln>
-    </cs:spPr>
-    <cs:defRPr sz="1197" kern="1200"/>
-  </cs:categoryAxis>
-  <cs:chartArea mods="allowNoFillOverride allowNoLineOverride">
-    <cs:lnRef idx="0"/>
-    <cs:fillRef idx="0"/>
-    <cs:effectRef idx="0"/>
-    <cs:fontRef idx="minor">
-      <a:schemeClr val="tx1"/>
-    </cs:fontRef>
-    <cs:spPr>
-      <a:solidFill>
-        <a:schemeClr val="bg1"/>
-      </a:solidFill>
-      <a:ln w="9525" cap="flat" cmpd="sng" algn="ctr">
-        <a:solidFill>
-          <a:schemeClr val="tx1">
-            <a:lumMod val="15000"/>
-            <a:lumOff val="85000"/>
-          </a:schemeClr>
-        </a:solidFill>
-        <a:round/>
-      </a:ln>
-    </cs:spPr>
-    <cs:defRPr sz="1330" kern="1200"/>
-  </cs:chartArea>
-  <cs:dataLabel>
-    <cs:lnRef idx="0"/>
-    <cs:fillRef idx="0"/>
-    <cs:effectRef idx="0"/>
-    <cs:fontRef idx="minor">
-      <a:schemeClr val="tx1">
-        <a:lumMod val="75000"/>
-        <a:lumOff val="25000"/>
-      </a:schemeClr>
-    </cs:fontRef>
-    <cs:defRPr sz="1197" kern="1200"/>
-  </cs:dataLabel>
-  <cs:dataLabelCallout>
-    <cs:lnRef idx="0"/>
-    <cs:fillRef idx="0"/>
-    <cs:effectRef idx="0"/>
-    <cs:fontRef idx="minor">
-      <a:schemeClr val="dk1">
-        <a:lumMod val="65000"/>
-        <a:lumOff val="35000"/>
-      </a:schemeClr>
-    </cs:fontRef>
-    <cs:spPr>
-      <a:solidFill>
-        <a:schemeClr val="lt1"/>
-      </a:solidFill>
-      <a:ln>
-        <a:solidFill>
-          <a:schemeClr val="dk1">
-            <a:lumMod val="25000"/>
-            <a:lumOff val="75000"/>
-          </a:schemeClr>
-        </a:solidFill>
-      </a:ln>
-    </cs:spPr>
-    <cs:defRPr sz="1197" kern="1200"/>
-    <cs:bodyPr rot="0" spcFirstLastPara="1" vertOverflow="clip" horzOverflow="clip" vert="horz" wrap="square" lIns="36576" tIns="18288" rIns="36576" bIns="18288" anchor="ctr" anchorCtr="1">
-      <a:spAutoFit/>
-    </cs:bodyPr>
-  </cs:dataLabelCallout>
-  <cs:dataPoint>
-    <cs:lnRef idx="0"/>
-    <cs:fillRef idx="1">
-      <cs:styleClr val="auto"/>
-    </cs:fillRef>
-    <cs:effectRef idx="0"/>
-    <cs:fontRef idx="minor">
-      <a:schemeClr val="tx1"/>
-    </cs:fontRef>
-  </cs:dataPoint>
-  <cs:dataPoint3D>
-    <cs:lnRef idx="0"/>
-    <cs:fillRef idx="1">
-      <cs:styleClr val="auto"/>
-    </cs:fillRef>
-    <cs:effectRef idx="0"/>
-    <cs:fontRef idx="minor">
-      <a:schemeClr val="tx1"/>
-    </cs:fontRef>
-  </cs:dataPoint3D>
-  <cs:dataPointLine>
-    <cs:lnRef idx="0">
-      <cs:styleClr val="auto"/>
-    </cs:lnRef>
-    <cs:fillRef idx="1"/>
-    <cs:effectRef idx="0"/>
-    <cs:fontRef idx="minor">
-      <a:schemeClr val="tx1"/>
-    </cs:fontRef>
-    <cs:spPr>
-      <a:ln w="28575" cap="rnd">
-        <a:solidFill>
-          <a:schemeClr val="phClr"/>
-        </a:solidFill>
-        <a:round/>
-      </a:ln>
-    </cs:spPr>
-  </cs:dataPointLine>
-  <cs:dataPointMarker>
-    <cs:lnRef idx="0">
-      <cs:styleClr val="auto"/>
-    </cs:lnRef>
-    <cs:fillRef idx="1">
-      <cs:styleClr val="auto"/>
-    </cs:fillRef>
-    <cs:effectRef idx="0"/>
-    <cs:fontRef idx="minor">
-      <a:schemeClr val="tx1"/>
-    </cs:fontRef>
-    <cs:spPr>
-      <a:ln w="9525">
-        <a:solidFill>
-          <a:schemeClr val="phClr"/>
-        </a:solidFill>
-      </a:ln>
-    </cs:spPr>
-  </cs:dataPointMarker>
-  <cs:dataPointMarkerLayout symbol="circle" size="5"/>
-  <cs:dataPointWireframe>
-    <cs:lnRef idx="0">
-      <cs:styleClr val="auto"/>
-    </cs:lnRef>
-    <cs:fillRef idx="1"/>
-    <cs:effectRef idx="0"/>
-    <cs:fontRef idx="minor">
-      <a:schemeClr val="tx1"/>
-    </cs:fontRef>
-    <cs:spPr>
-      <a:ln w="9525" cap="rnd">
-        <a:solidFill>
-          <a:schemeClr val="phClr"/>
-        </a:solidFill>
-        <a:round/>
-      </a:ln>
-    </cs:spPr>
-  </cs:dataPointWireframe>
-  <cs:dataTable>
-    <cs:lnRef idx="0"/>
-    <cs:fillRef idx="0"/>
-    <cs:effectRef idx="0"/>
-    <cs:fontRef idx="minor">
-      <a:schemeClr val="tx1">
-        <a:lumMod val="65000"/>
-        <a:lumOff val="35000"/>
-      </a:schemeClr>
-    </cs:fontRef>
-    <cs:spPr>
-      <a:noFill/>
-      <a:ln w="9525" cap="flat" cmpd="sng" algn="ctr">
-        <a:solidFill>
-          <a:schemeClr val="tx1">
-            <a:lumMod val="15000"/>
-            <a:lumOff val="85000"/>
-          </a:schemeClr>
-        </a:solidFill>
-        <a:round/>
-      </a:ln>
-    </cs:spPr>
-    <cs:defRPr sz="1197" kern="1200"/>
-  </cs:dataTable>
-  <cs:downBar>
-    <cs:lnRef idx="0"/>
-    <cs:fillRef idx="0"/>
-    <cs:effectRef idx="0"/>
-    <cs:fontRef idx="minor">
-      <a:schemeClr val="dk1"/>
-    </cs:fontRef>
-    <cs:spPr>
-      <a:solidFill>
-        <a:schemeClr val="dk1">
-          <a:lumMod val="65000"/>
-          <a:lumOff val="35000"/>
-        </a:schemeClr>
-      </a:solidFill>
-      <a:ln w="9525">
-        <a:solidFill>
-          <a:schemeClr val="tx1">
-            <a:lumMod val="65000"/>
-            <a:lumOff val="35000"/>
-          </a:schemeClr>
-        </a:solidFill>
-      </a:ln>
-    </cs:spPr>
-  </cs:downBar>
-  <cs:dropLine>
-    <cs:lnRef idx="0"/>
-    <cs:fillRef idx="0"/>
-    <cs:effectRef idx="0"/>
-    <cs:fontRef idx="minor">
-      <a:schemeClr val="tx1"/>
-    </cs:fontRef>
-    <cs:spPr>
-      <a:ln w="9525" cap="flat" cmpd="sng" algn="ctr">
-        <a:solidFill>
-          <a:schemeClr val="tx1">
-            <a:lumMod val="35000"/>
-            <a:lumOff val="65000"/>
-          </a:schemeClr>
-        </a:solidFill>
-        <a:round/>
-      </a:ln>
-    </cs:spPr>
-  </cs:dropLine>
-  <cs:errorBar>
-    <cs:lnRef idx="0"/>
-    <cs:fillRef idx="0"/>
-    <cs:effectRef idx="0"/>
-    <cs:fontRef idx="minor">
-      <a:schemeClr val="tx1"/>
-    </cs:fontRef>
-    <cs:spPr>
-      <a:ln w="9525" cap="flat" cmpd="sng" algn="ctr">
-        <a:solidFill>
-          <a:schemeClr val="tx1">
-            <a:lumMod val="65000"/>
-            <a:lumOff val="35000"/>
-          </a:schemeClr>
-        </a:solidFill>
-        <a:round/>
-      </a:ln>
-    </cs:spPr>
-  </cs:errorBar>
-  <cs:floor>
-    <cs:lnRef idx="0"/>
-    <cs:fillRef idx="0"/>
-    <cs:effectRef idx="0"/>
-    <cs:fontRef idx="minor">
-      <a:schemeClr val="tx1"/>
-    </cs:fontRef>
-    <cs:spPr>
-      <a:noFill/>
-      <a:ln>
-        <a:noFill/>
-      </a:ln>
-    </cs:spPr>
-  </cs:floor>
-  <cs:gridlineMajor>
-    <cs:lnRef idx="0"/>
-    <cs:fillRef idx="0"/>
-    <cs:effectRef idx="0"/>
-    <cs:fontRef idx="minor">
-      <a:schemeClr val="tx1"/>
-    </cs:fontRef>
-    <cs:spPr>
-      <a:ln w="9525" cap="flat" cmpd="sng" algn="ctr">
-        <a:solidFill>
-          <a:schemeClr val="tx1">
-            <a:lumMod val="15000"/>
-            <a:lumOff val="85000"/>
-          </a:schemeClr>
-        </a:solidFill>
-        <a:round/>
-      </a:ln>
-    </cs:spPr>
-  </cs:gridlineMajor>
-  <cs:gridlineMinor>
-    <cs:lnRef idx="0"/>
-    <cs:fillRef idx="0"/>
-    <cs:effectRef idx="0"/>
-    <cs:fontRef idx="minor">
-      <a:schemeClr val="tx1"/>
-    </cs:fontRef>
-    <cs:spPr>
-      <a:ln w="9525" cap="flat" cmpd="sng" algn="ctr">
-        <a:solidFill>
-          <a:schemeClr val="tx1">
-            <a:lumMod val="5000"/>
-            <a:lumOff val="95000"/>
-          </a:schemeClr>
-        </a:solidFill>
-        <a:round/>
-      </a:ln>
-    </cs:spPr>
-  </cs:gridlineMinor>
-  <cs:hiLoLine>
-    <cs:lnRef idx="0"/>
-    <cs:fillRef idx="0"/>
-    <cs:effectRef idx="0"/>
-    <cs:fontRef idx="minor">
-      <a:schemeClr val="tx1"/>
-    </cs:fontRef>
-    <cs:spPr>
-      <a:ln w="9525" cap="flat" cmpd="sng" algn="ctr">
-        <a:solidFill>
-          <a:schemeClr val="tx1">
-            <a:lumMod val="75000"/>
-            <a:lumOff val="25000"/>
-          </a:schemeClr>
-        </a:solidFill>
-        <a:round/>
-      </a:ln>
-    </cs:spPr>
-  </cs:hiLoLine>
-  <cs:leaderLine>
-    <cs:lnRef idx="0"/>
-    <cs:fillRef idx="0"/>
-    <cs:effectRef idx="0"/>
-    <cs:fontRef idx="minor">
-      <a:schemeClr val="tx1"/>
-    </cs:fontRef>
-    <cs:spPr>
-      <a:ln w="9525" cap="flat" cmpd="sng" algn="ctr">
-        <a:solidFill>
-          <a:schemeClr val="tx1">
-            <a:lumMod val="35000"/>
-            <a:lumOff val="65000"/>
-          </a:schemeClr>
-        </a:solidFill>
-        <a:round/>
-      </a:ln>
-    </cs:spPr>
-  </cs:leaderLine>
-  <cs:legend>
-    <cs:lnRef idx="0"/>
-    <cs:fillRef idx="0"/>
-    <cs:effectRef idx="0"/>
-    <cs:fontRef idx="minor">
-      <a:schemeClr val="tx1">
-        <a:lumMod val="65000"/>
-        <a:lumOff val="35000"/>
-      </a:schemeClr>
-    </cs:fontRef>
-    <cs:defRPr sz="1197" kern="1200"/>
-  </cs:legend>
-  <cs:plotArea mods="allowNoFillOverride allowNoLineOverride">
-    <cs:lnRef idx="0"/>
-    <cs:fillRef idx="0"/>
-    <cs:effectRef idx="0"/>
-    <cs:fontRef idx="minor">
-      <a:schemeClr val="tx1"/>
-    </cs:fontRef>
-  </cs:plotArea>
-  <cs:plotArea3D mods="allowNoFillOverride allowNoLineOverride">
-    <cs:lnRef idx="0"/>
-    <cs:fillRef idx="0"/>
-    <cs:effectRef idx="0"/>
-    <cs:fontRef idx="minor">
-      <a:schemeClr val="tx1"/>
-    </cs:fontRef>
-  </cs:plotArea3D>
-  <cs:seriesAxis>
-    <cs:lnRef idx="0"/>
-    <cs:fillRef idx="0"/>
-    <cs:effectRef idx="0"/>
-    <cs:fontRef idx="minor">
-      <a:schemeClr val="tx1">
-        <a:lumMod val="65000"/>
-        <a:lumOff val="35000"/>
-      </a:schemeClr>
-    </cs:fontRef>
-    <cs:defRPr sz="1197" kern="1200"/>
-  </cs:seriesAxis>
-  <cs:seriesLine>
-    <cs:lnRef idx="0"/>
-    <cs:fillRef idx="0"/>
-    <cs:effectRef idx="0"/>
-    <cs:fontRef idx="minor">
-      <a:schemeClr val="tx1"/>
-    </cs:fontRef>
-    <cs:spPr>
-      <a:ln w="9525" cap="flat" cmpd="sng" algn="ctr">
-        <a:solidFill>
-          <a:schemeClr val="tx1">
-            <a:lumMod val="35000"/>
-            <a:lumOff val="65000"/>
-          </a:schemeClr>
-        </a:solidFill>
-        <a:round/>
-      </a:ln>
-    </cs:spPr>
-  </cs:seriesLine>
-  <cs:title>
-    <cs:lnRef idx="0"/>
-    <cs:fillRef idx="0"/>
-    <cs:effectRef idx="0"/>
-    <cs:fontRef idx="minor">
-      <a:schemeClr val="tx1">
-        <a:lumMod val="65000"/>
-        <a:lumOff val="35000"/>
-      </a:schemeClr>
-    </cs:fontRef>
-    <cs:defRPr sz="1862" b="0" kern="1200" spc="0" baseline="0"/>
-  </cs:title>
-  <cs:trendline>
-    <cs:lnRef idx="0">
-      <cs:styleClr val="auto"/>
-    </cs:lnRef>
-    <cs:fillRef idx="0"/>
-    <cs:effectRef idx="0"/>
-    <cs:fontRef idx="minor">
-      <a:schemeClr val="tx1"/>
-    </cs:fontRef>
-    <cs:spPr>
-      <a:ln w="19050" cap="rnd">
-        <a:solidFill>
-          <a:schemeClr val="phClr"/>
-        </a:solidFill>
-        <a:prstDash val="sysDot"/>
-      </a:ln>
-    </cs:spPr>
-  </cs:trendline>
-  <cs:trendlineLabel>
-    <cs:lnRef idx="0"/>
-    <cs:fillRef idx="0"/>
-    <cs:effectRef idx="0"/>
-    <cs:fontRef idx="minor">
-      <a:schemeClr val="tx1">
-        <a:lumMod val="65000"/>
-        <a:lumOff val="35000"/>
-      </a:schemeClr>
-    </cs:fontRef>
-    <cs:defRPr sz="1197" kern="1200"/>
-  </cs:trendlineLabel>
-  <cs:upBar>
-    <cs:lnRef idx="0"/>
-    <cs:fillRef idx="0"/>
-    <cs:effectRef idx="0"/>
-    <cs:fontRef idx="minor">
-      <a:schemeClr val="dk1"/>
-    </cs:fontRef>
-    <cs:spPr>
-      <a:solidFill>
-        <a:schemeClr val="lt1"/>
-      </a:solidFill>
-      <a:ln w="9525">
-        <a:solidFill>
-          <a:schemeClr val="tx1">
-            <a:lumMod val="15000"/>
-            <a:lumOff val="85000"/>
-          </a:schemeClr>
-        </a:solidFill>
-      </a:ln>
-    </cs:spPr>
-  </cs:upBar>
-  <cs:valueAxis>
-    <cs:lnRef idx="0"/>
-    <cs:fillRef idx="0"/>
-    <cs:effectRef idx="0"/>
-    <cs:fontRef idx="minor">
-      <a:schemeClr val="tx1">
-        <a:lumMod val="65000"/>
-        <a:lumOff val="35000"/>
-      </a:schemeClr>
-    </cs:fontRef>
-    <cs:defRPr sz="1197" kern="1200"/>
-  </cs:valueAxis>
-  <cs:wall>
-    <cs:lnRef idx="0"/>
-    <cs:fillRef idx="0"/>
-    <cs:effectRef idx="0"/>
-    <cs:fontRef idx="minor">
-      <a:schemeClr val="tx1"/>
-    </cs:fontRef>
-    <cs:spPr>
-      <a:noFill/>
-      <a:ln>
-        <a:noFill/>
-      </a:ln>
-    </cs:spPr>
-  </cs:wall>
-</cs:chartStyle>
 </file>
 
 <file path=ppt/notesMasters/notesMaster1.xml><?xml version="1.0" encoding="utf-8"?>
@@ -2864,7 +1825,7 @@
           <a:p>
             <a:fld id="{D466BBBA-9A97-4E7F-980C-016C1074E9A2}" type="datetimeFigureOut">
               <a:rPr lang="en-US" smtClean="0"/>
-              <a:t>20-Jun-17</a:t>
+              <a:t>24-Jun-17</a:t>
             </a:fld>
             <a:endParaRPr lang="en-US"/>
           </a:p>
@@ -3055,7 +2016,7 @@
           <a:p>
             <a:fld id="{D466BBBA-9A97-4E7F-980C-016C1074E9A2}" type="datetimeFigureOut">
               <a:rPr lang="en-US" smtClean="0"/>
-              <a:t>20-Jun-17</a:t>
+              <a:t>24-Jun-17</a:t>
             </a:fld>
             <a:endParaRPr lang="en-US"/>
           </a:p>
@@ -3256,7 +2217,7 @@
           <a:p>
             <a:fld id="{D466BBBA-9A97-4E7F-980C-016C1074E9A2}" type="datetimeFigureOut">
               <a:rPr lang="en-US" smtClean="0"/>
-              <a:t>20-Jun-17</a:t>
+              <a:t>24-Jun-17</a:t>
             </a:fld>
             <a:endParaRPr lang="en-US"/>
           </a:p>
@@ -3680,7 +2641,7 @@
           <a:p>
             <a:fld id="{D466BBBA-9A97-4E7F-980C-016C1074E9A2}" type="datetimeFigureOut">
               <a:rPr lang="en-US" smtClean="0"/>
-              <a:t>20-Jun-17</a:t>
+              <a:t>24-Jun-17</a:t>
             </a:fld>
             <a:endParaRPr lang="en-US"/>
           </a:p>
@@ -3948,7 +2909,7 @@
           <a:p>
             <a:fld id="{D466BBBA-9A97-4E7F-980C-016C1074E9A2}" type="datetimeFigureOut">
               <a:rPr lang="en-US" smtClean="0"/>
-              <a:t>20-Jun-17</a:t>
+              <a:t>24-Jun-17</a:t>
             </a:fld>
             <a:endParaRPr lang="en-US"/>
           </a:p>
@@ -4200,7 +3161,7 @@
           <a:p>
             <a:fld id="{D466BBBA-9A97-4E7F-980C-016C1074E9A2}" type="datetimeFigureOut">
               <a:rPr lang="en-US" smtClean="0"/>
-              <a:t>20-Jun-17</a:t>
+              <a:t>24-Jun-17</a:t>
             </a:fld>
             <a:endParaRPr lang="en-US"/>
           </a:p>
@@ -4587,7 +3548,7 @@
           <a:p>
             <a:fld id="{D466BBBA-9A97-4E7F-980C-016C1074E9A2}" type="datetimeFigureOut">
               <a:rPr lang="en-US" smtClean="0"/>
-              <a:t>20-Jun-17</a:t>
+              <a:t>24-Jun-17</a:t>
             </a:fld>
             <a:endParaRPr lang="en-US"/>
           </a:p>
@@ -4727,7 +3688,7 @@
           <a:p>
             <a:fld id="{D466BBBA-9A97-4E7F-980C-016C1074E9A2}" type="datetimeFigureOut">
               <a:rPr lang="en-US" smtClean="0"/>
-              <a:t>20-Jun-17</a:t>
+              <a:t>24-Jun-17</a:t>
             </a:fld>
             <a:endParaRPr lang="en-US"/>
           </a:p>
@@ -4845,7 +3806,7 @@
           <a:p>
             <a:fld id="{D466BBBA-9A97-4E7F-980C-016C1074E9A2}" type="datetimeFigureOut">
               <a:rPr lang="en-US" smtClean="0"/>
-              <a:t>20-Jun-17</a:t>
+              <a:t>24-Jun-17</a:t>
             </a:fld>
             <a:endParaRPr lang="en-US"/>
           </a:p>
@@ -5126,7 +4087,7 @@
           <a:p>
             <a:fld id="{D466BBBA-9A97-4E7F-980C-016C1074E9A2}" type="datetimeFigureOut">
               <a:rPr lang="en-US" smtClean="0"/>
-              <a:t>20-Jun-17</a:t>
+              <a:t>24-Jun-17</a:t>
             </a:fld>
             <a:endParaRPr lang="en-US"/>
           </a:p>
@@ -5401,7 +4362,7 @@
           <a:p>
             <a:fld id="{D466BBBA-9A97-4E7F-980C-016C1074E9A2}" type="datetimeFigureOut">
               <a:rPr lang="en-US" smtClean="0"/>
-              <a:t>20-Jun-17</a:t>
+              <a:t>24-Jun-17</a:t>
             </a:fld>
             <a:endParaRPr lang="en-US"/>
           </a:p>
@@ -5635,7 +4596,7 @@
           <a:p>
             <a:fld id="{D466BBBA-9A97-4E7F-980C-016C1074E9A2}" type="datetimeFigureOut">
               <a:rPr lang="en-US" smtClean="0"/>
-              <a:t>20-Jun-17</a:t>
+              <a:t>24-Jun-17</a:t>
             </a:fld>
             <a:endParaRPr lang="en-US"/>
           </a:p>
@@ -7876,6 +6837,7 @@
           </a:bodyPr>
           <a:lstStyle/>
           <a:p>
+            <a:pPr algn="ctr"/>
             <a:r>
               <a:rPr lang="en-US" dirty="0"/>
               <a:t>Resistivity Measurement</a:t>
@@ -7898,14 +6860,14 @@
           <p:nvPr>
             <p:extLst>
               <p:ext uri="{D42A27DB-BD31-4B8C-83A1-F6EECF244321}">
-                <p14:modId xmlns:p14="http://schemas.microsoft.com/office/powerpoint/2010/main" val="148369748"/>
+                <p14:modId xmlns:p14="http://schemas.microsoft.com/office/powerpoint/2010/main" val="3753512080"/>
               </p:ext>
             </p:extLst>
           </p:nvPr>
         </p:nvGraphicFramePr>
         <p:xfrm>
-          <a:off x="311700" y="914400"/>
-          <a:ext cx="2142508" cy="1826635"/>
+          <a:off x="1530900" y="893392"/>
+          <a:ext cx="2142508" cy="1964228"/>
         </p:xfrm>
         <a:graphic>
           <a:graphicData uri="http://schemas.openxmlformats.org/drawingml/2006/table">
@@ -7929,7 +6891,7 @@
                   </a:extLst>
                 </a:gridCol>
               </a:tblGrid>
-              <a:tr h="365327">
+              <a:tr h="345989">
                 <a:tc>
                   <a:txBody>
                     <a:bodyPr/>
@@ -7948,10 +6910,41 @@
                     <a:bodyPr/>
                     <a:lstStyle/>
                     <a:p>
+                      <a:pPr algn="ctr"/>
                       <a:r>
                         <a:rPr lang="en-US" dirty="0"/>
                         <a:t>4mmX8mm</a:t>
                       </a:r>
+                    </a:p>
+                    <a:p>
+                      <a:pPr marL="0" marR="0" lvl="0" indent="0" algn="ctr" defTabSz="685800" rtl="0" eaLnBrk="1" fontAlgn="auto" latinLnBrk="0" hangingPunct="1">
+                        <a:lnSpc>
+                          <a:spcPct val="100000"/>
+                        </a:lnSpc>
+                        <a:spcBef>
+                          <a:spcPts val="0"/>
+                        </a:spcBef>
+                        <a:spcAft>
+                          <a:spcPts val="0"/>
+                        </a:spcAft>
+                        <a:buClrTx/>
+                        <a:buSzTx/>
+                        <a:buFontTx/>
+                        <a:buNone/>
+                        <a:tabLst/>
+                        <a:defRPr/>
+                      </a:pPr>
+                      <a:r>
+                        <a:rPr lang="en-US" dirty="0"/>
+                        <a:t>(in </a:t>
+                      </a:r>
+                      <a:r>
+                        <a:rPr lang="en-US" dirty="0">
+                          <a:latin typeface="Calibri" panose="020F0502020204030204" pitchFamily="34" charset="0"/>
+                        </a:rPr>
+                        <a:t>Ω)</a:t>
+                      </a:r>
+                      <a:endParaRPr lang="en-US" dirty="0"/>
                     </a:p>
                   </a:txBody>
                   <a:tcPr/>
@@ -7981,7 +6974,11 @@
                     <a:bodyPr/>
                     <a:lstStyle/>
                     <a:p>
-                      <a:endParaRPr lang="en-US" dirty="0"/>
+                      <a:pPr algn="ctr"/>
+                      <a:r>
+                        <a:rPr lang="en-US" dirty="0"/>
+                        <a:t>4.65</a:t>
+                      </a:r>
                     </a:p>
                   </a:txBody>
                   <a:tcPr/>
@@ -8011,7 +7008,11 @@
                     <a:bodyPr/>
                     <a:lstStyle/>
                     <a:p>
-                      <a:endParaRPr lang="en-US" dirty="0"/>
+                      <a:pPr algn="ctr"/>
+                      <a:r>
+                        <a:rPr lang="en-US" dirty="0"/>
+                        <a:t>6.75</a:t>
+                      </a:r>
                     </a:p>
                   </a:txBody>
                   <a:tcPr/>
@@ -8041,7 +7042,11 @@
                     <a:bodyPr/>
                     <a:lstStyle/>
                     <a:p>
-                      <a:endParaRPr lang="en-US" dirty="0"/>
+                      <a:pPr algn="ctr"/>
+                      <a:r>
+                        <a:rPr lang="en-US" dirty="0"/>
+                        <a:t>8.65</a:t>
+                      </a:r>
                     </a:p>
                   </a:txBody>
                   <a:tcPr/>
@@ -8071,7 +7076,11 @@
                     <a:bodyPr/>
                     <a:lstStyle/>
                     <a:p>
-                      <a:endParaRPr lang="en-US" dirty="0"/>
+                      <a:pPr algn="ctr"/>
+                      <a:r>
+                        <a:rPr lang="en-US" dirty="0"/>
+                        <a:t>11.2</a:t>
+                      </a:r>
                     </a:p>
                   </a:txBody>
                   <a:tcPr/>
@@ -8101,14 +7110,14 @@
           <p:nvPr>
             <p:extLst>
               <p:ext uri="{D42A27DB-BD31-4B8C-83A1-F6EECF244321}">
-                <p14:modId xmlns:p14="http://schemas.microsoft.com/office/powerpoint/2010/main" val="3497114379"/>
+                <p14:modId xmlns:p14="http://schemas.microsoft.com/office/powerpoint/2010/main" val="512453684"/>
               </p:ext>
             </p:extLst>
           </p:nvPr>
         </p:nvGraphicFramePr>
         <p:xfrm>
-          <a:off x="311700" y="2906004"/>
-          <a:ext cx="2142508" cy="1826635"/>
+          <a:off x="1530900" y="2982097"/>
+          <a:ext cx="2142508" cy="1964228"/>
         </p:xfrm>
         <a:graphic>
           <a:graphicData uri="http://schemas.openxmlformats.org/drawingml/2006/table">
@@ -8151,10 +7160,41 @@
                     <a:bodyPr/>
                     <a:lstStyle/>
                     <a:p>
+                      <a:pPr algn="ctr"/>
                       <a:r>
                         <a:rPr lang="en-US" dirty="0"/>
                         <a:t>4mmX8mm</a:t>
                       </a:r>
+                    </a:p>
+                    <a:p>
+                      <a:pPr marL="0" marR="0" lvl="0" indent="0" algn="ctr" defTabSz="685800" rtl="0" eaLnBrk="1" fontAlgn="auto" latinLnBrk="0" hangingPunct="1">
+                        <a:lnSpc>
+                          <a:spcPct val="100000"/>
+                        </a:lnSpc>
+                        <a:spcBef>
+                          <a:spcPts val="0"/>
+                        </a:spcBef>
+                        <a:spcAft>
+                          <a:spcPts val="0"/>
+                        </a:spcAft>
+                        <a:buClrTx/>
+                        <a:buSzTx/>
+                        <a:buFontTx/>
+                        <a:buNone/>
+                        <a:tabLst/>
+                        <a:defRPr/>
+                      </a:pPr>
+                      <a:r>
+                        <a:rPr lang="en-US" dirty="0"/>
+                        <a:t>(in </a:t>
+                      </a:r>
+                      <a:r>
+                        <a:rPr lang="en-US" dirty="0">
+                          <a:latin typeface="Calibri" panose="020F0502020204030204" pitchFamily="34" charset="0"/>
+                        </a:rPr>
+                        <a:t>Ω)</a:t>
+                      </a:r>
+                      <a:endParaRPr lang="en-US" dirty="0"/>
                     </a:p>
                   </a:txBody>
                   <a:tcPr/>
@@ -8184,7 +7224,11 @@
                     <a:bodyPr/>
                     <a:lstStyle/>
                     <a:p>
-                      <a:endParaRPr lang="en-US" dirty="0"/>
+                      <a:pPr algn="ctr"/>
+                      <a:r>
+                        <a:rPr lang="en-US" dirty="0"/>
+                        <a:t>27.1</a:t>
+                      </a:r>
                     </a:p>
                   </a:txBody>
                   <a:tcPr/>
@@ -8214,7 +7258,11 @@
                     <a:bodyPr/>
                     <a:lstStyle/>
                     <a:p>
-                      <a:endParaRPr lang="en-US" dirty="0"/>
+                      <a:pPr algn="ctr"/>
+                      <a:r>
+                        <a:rPr lang="en-US" dirty="0"/>
+                        <a:t>32.9</a:t>
+                      </a:r>
                     </a:p>
                   </a:txBody>
                   <a:tcPr/>
@@ -8244,7 +7292,11 @@
                     <a:bodyPr/>
                     <a:lstStyle/>
                     <a:p>
-                      <a:endParaRPr lang="en-US" dirty="0"/>
+                      <a:pPr algn="ctr"/>
+                      <a:r>
+                        <a:rPr lang="en-US" dirty="0"/>
+                        <a:t>44.2</a:t>
+                      </a:r>
                     </a:p>
                   </a:txBody>
                   <a:tcPr/>
@@ -8274,7 +7326,11 @@
                     <a:bodyPr/>
                     <a:lstStyle/>
                     <a:p>
-                      <a:endParaRPr lang="en-US" dirty="0"/>
+                      <a:pPr algn="ctr"/>
+                      <a:r>
+                        <a:rPr lang="en-US" dirty="0"/>
+                        <a:t>35.2</a:t>
+                      </a:r>
                     </a:p>
                   </a:txBody>
                   <a:tcPr/>
@@ -8289,6 +7345,66 @@
           </a:graphicData>
         </a:graphic>
       </p:graphicFrame>
+      <p:pic>
+        <p:nvPicPr>
+          <p:cNvPr id="14" name="Picture 13">
+            <a:extLst>
+              <a:ext uri="{FF2B5EF4-FFF2-40B4-BE49-F238E27FC236}">
+                <a16:creationId xmlns:a16="http://schemas.microsoft.com/office/drawing/2014/main" id="{C164699F-4CE7-46C9-A0B3-3D8D54498603}"/>
+              </a:ext>
+            </a:extLst>
+          </p:cNvPr>
+          <p:cNvPicPr>
+            <a:picLocks noChangeAspect="1"/>
+          </p:cNvPicPr>
+          <p:nvPr/>
+        </p:nvPicPr>
+        <p:blipFill>
+          <a:blip r:embed="rId3"/>
+          <a:stretch>
+            <a:fillRect/>
+          </a:stretch>
+        </p:blipFill>
+        <p:spPr>
+          <a:xfrm>
+            <a:off x="4743651" y="755160"/>
+            <a:ext cx="2854571" cy="2140928"/>
+          </a:xfrm>
+          <a:prstGeom prst="rect">
+            <a:avLst/>
+          </a:prstGeom>
+        </p:spPr>
+      </p:pic>
+      <p:pic>
+        <p:nvPicPr>
+          <p:cNvPr id="16" name="Picture 15">
+            <a:extLst>
+              <a:ext uri="{FF2B5EF4-FFF2-40B4-BE49-F238E27FC236}">
+                <a16:creationId xmlns:a16="http://schemas.microsoft.com/office/drawing/2014/main" id="{31CAE642-67EC-4CAE-8262-060C97A796AB}"/>
+              </a:ext>
+            </a:extLst>
+          </p:cNvPr>
+          <p:cNvPicPr>
+            <a:picLocks noChangeAspect="1"/>
+          </p:cNvPicPr>
+          <p:nvPr/>
+        </p:nvPicPr>
+        <p:blipFill>
+          <a:blip r:embed="rId4"/>
+          <a:stretch>
+            <a:fillRect/>
+          </a:stretch>
+        </p:blipFill>
+        <p:spPr>
+          <a:xfrm>
+            <a:off x="4743651" y="2945970"/>
+            <a:ext cx="2854571" cy="2140928"/>
+          </a:xfrm>
+          <a:prstGeom prst="rect">
+            <a:avLst/>
+          </a:prstGeom>
+        </p:spPr>
+      </p:pic>
     </p:spTree>
     <p:extLst>
       <p:ext uri="{BB962C8B-B14F-4D97-AF65-F5344CB8AC3E}">
@@ -8347,6 +7463,7 @@
           </a:bodyPr>
           <a:lstStyle/>
           <a:p>
+            <a:pPr algn="ctr"/>
             <a:r>
               <a:rPr lang="en-US" dirty="0"/>
               <a:t>Variation in Area of Cross Section</a:t>
@@ -8369,14 +7486,14 @@
           <p:nvPr>
             <p:extLst>
               <p:ext uri="{D42A27DB-BD31-4B8C-83A1-F6EECF244321}">
-                <p14:modId xmlns:p14="http://schemas.microsoft.com/office/powerpoint/2010/main" val="489426180"/>
+                <p14:modId xmlns:p14="http://schemas.microsoft.com/office/powerpoint/2010/main" val="3535022475"/>
               </p:ext>
             </p:extLst>
           </p:nvPr>
         </p:nvGraphicFramePr>
         <p:xfrm>
-          <a:off x="311698" y="974231"/>
-          <a:ext cx="2818680" cy="1483360"/>
+          <a:off x="1250811" y="854543"/>
+          <a:ext cx="2818680" cy="1615440"/>
         </p:xfrm>
         <a:graphic>
           <a:graphicData uri="http://schemas.openxmlformats.org/drawingml/2006/table">
@@ -8419,10 +7536,41 @@
                     <a:bodyPr/>
                     <a:lstStyle/>
                     <a:p>
+                      <a:pPr algn="ctr"/>
                       <a:r>
                         <a:rPr lang="en-US" dirty="0"/>
                         <a:t>30mm (Length)</a:t>
                       </a:r>
+                    </a:p>
+                    <a:p>
+                      <a:pPr marL="0" marR="0" lvl="0" indent="0" algn="ctr" defTabSz="685800" rtl="0" eaLnBrk="1" fontAlgn="auto" latinLnBrk="0" hangingPunct="1">
+                        <a:lnSpc>
+                          <a:spcPct val="100000"/>
+                        </a:lnSpc>
+                        <a:spcBef>
+                          <a:spcPts val="0"/>
+                        </a:spcBef>
+                        <a:spcAft>
+                          <a:spcPts val="0"/>
+                        </a:spcAft>
+                        <a:buClrTx/>
+                        <a:buSzTx/>
+                        <a:buFontTx/>
+                        <a:buNone/>
+                        <a:tabLst/>
+                        <a:defRPr/>
+                      </a:pPr>
+                      <a:r>
+                        <a:rPr lang="en-US" dirty="0"/>
+                        <a:t>(in </a:t>
+                      </a:r>
+                      <a:r>
+                        <a:rPr lang="en-US" dirty="0">
+                          <a:latin typeface="Calibri" panose="020F0502020204030204" pitchFamily="34" charset="0"/>
+                        </a:rPr>
+                        <a:t>Ω)</a:t>
+                      </a:r>
+                      <a:endParaRPr lang="en-US" dirty="0"/>
                     </a:p>
                   </a:txBody>
                   <a:tcPr/>
@@ -8452,7 +7600,11 @@
                     <a:bodyPr/>
                     <a:lstStyle/>
                     <a:p>
-                      <a:endParaRPr lang="en-US" dirty="0"/>
+                      <a:pPr algn="ctr"/>
+                      <a:r>
+                        <a:rPr lang="en-US" dirty="0"/>
+                        <a:t>19.3</a:t>
+                      </a:r>
                     </a:p>
                   </a:txBody>
                   <a:tcPr/>
@@ -8482,7 +7634,11 @@
                     <a:bodyPr/>
                     <a:lstStyle/>
                     <a:p>
-                      <a:endParaRPr lang="en-US" dirty="0"/>
+                      <a:pPr algn="ctr"/>
+                      <a:r>
+                        <a:rPr lang="en-US" dirty="0"/>
+                        <a:t>11.2</a:t>
+                      </a:r>
                     </a:p>
                   </a:txBody>
                   <a:tcPr/>
@@ -8512,7 +7668,11 @@
                     <a:bodyPr/>
                     <a:lstStyle/>
                     <a:p>
-                      <a:endParaRPr lang="en-US" dirty="0"/>
+                      <a:pPr algn="ctr"/>
+                      <a:r>
+                        <a:rPr lang="en-US" dirty="0"/>
+                        <a:t>8.55</a:t>
+                      </a:r>
                     </a:p>
                   </a:txBody>
                   <a:tcPr/>
@@ -8542,14 +7702,14 @@
           <p:nvPr>
             <p:extLst>
               <p:ext uri="{D42A27DB-BD31-4B8C-83A1-F6EECF244321}">
-                <p14:modId xmlns:p14="http://schemas.microsoft.com/office/powerpoint/2010/main" val="2684549360"/>
+                <p14:modId xmlns:p14="http://schemas.microsoft.com/office/powerpoint/2010/main" val="732226713"/>
               </p:ext>
             </p:extLst>
           </p:nvPr>
         </p:nvGraphicFramePr>
         <p:xfrm>
-          <a:off x="311698" y="2923267"/>
-          <a:ext cx="2818680" cy="1483360"/>
+          <a:off x="1250811" y="3104499"/>
+          <a:ext cx="2818680" cy="1615440"/>
         </p:xfrm>
         <a:graphic>
           <a:graphicData uri="http://schemas.openxmlformats.org/drawingml/2006/table">
@@ -8592,10 +7752,41 @@
                     <a:bodyPr/>
                     <a:lstStyle/>
                     <a:p>
+                      <a:pPr algn="ctr"/>
                       <a:r>
                         <a:rPr lang="en-US" dirty="0"/>
                         <a:t>30mm (Height)</a:t>
                       </a:r>
+                    </a:p>
+                    <a:p>
+                      <a:pPr marL="0" marR="0" lvl="0" indent="0" algn="ctr" defTabSz="685800" rtl="0" eaLnBrk="1" fontAlgn="auto" latinLnBrk="0" hangingPunct="1">
+                        <a:lnSpc>
+                          <a:spcPct val="100000"/>
+                        </a:lnSpc>
+                        <a:spcBef>
+                          <a:spcPts val="0"/>
+                        </a:spcBef>
+                        <a:spcAft>
+                          <a:spcPts val="0"/>
+                        </a:spcAft>
+                        <a:buClrTx/>
+                        <a:buSzTx/>
+                        <a:buFontTx/>
+                        <a:buNone/>
+                        <a:tabLst/>
+                        <a:defRPr/>
+                      </a:pPr>
+                      <a:r>
+                        <a:rPr lang="en-US" dirty="0"/>
+                        <a:t>(in </a:t>
+                      </a:r>
+                      <a:r>
+                        <a:rPr lang="en-US" dirty="0">
+                          <a:latin typeface="Calibri" panose="020F0502020204030204" pitchFamily="34" charset="0"/>
+                        </a:rPr>
+                        <a:t>Ω)</a:t>
+                      </a:r>
+                      <a:endParaRPr lang="en-US" dirty="0"/>
                     </a:p>
                   </a:txBody>
                   <a:tcPr/>
@@ -8625,7 +7816,11 @@
                     <a:bodyPr/>
                     <a:lstStyle/>
                     <a:p>
-                      <a:endParaRPr lang="en-US" dirty="0"/>
+                      <a:pPr algn="ctr"/>
+                      <a:r>
+                        <a:rPr lang="en-US" dirty="0"/>
+                        <a:t>137.85</a:t>
+                      </a:r>
                     </a:p>
                   </a:txBody>
                   <a:tcPr/>
@@ -8655,7 +7850,11 @@
                     <a:bodyPr/>
                     <a:lstStyle/>
                     <a:p>
-                      <a:endParaRPr lang="en-US" dirty="0"/>
+                      <a:pPr algn="ctr"/>
+                      <a:r>
+                        <a:rPr lang="en-US" dirty="0"/>
+                        <a:t>57.8</a:t>
+                      </a:r>
                     </a:p>
                   </a:txBody>
                   <a:tcPr/>
@@ -8685,7 +7884,11 @@
                     <a:bodyPr/>
                     <a:lstStyle/>
                     <a:p>
-                      <a:endParaRPr lang="en-US" dirty="0"/>
+                      <a:pPr algn="ctr"/>
+                      <a:r>
+                        <a:rPr lang="en-US" dirty="0"/>
+                        <a:t>51.1</a:t>
+                      </a:r>
                     </a:p>
                   </a:txBody>
                   <a:tcPr/>
@@ -8700,6 +7903,66 @@
           </a:graphicData>
         </a:graphic>
       </p:graphicFrame>
+      <p:pic>
+        <p:nvPicPr>
+          <p:cNvPr id="12" name="Picture 11">
+            <a:extLst>
+              <a:ext uri="{FF2B5EF4-FFF2-40B4-BE49-F238E27FC236}">
+                <a16:creationId xmlns:a16="http://schemas.microsoft.com/office/drawing/2014/main" id="{3454B8A6-BF19-4603-B49B-6ADFD7DC94BE}"/>
+              </a:ext>
+            </a:extLst>
+          </p:cNvPr>
+          <p:cNvPicPr>
+            <a:picLocks noChangeAspect="1"/>
+          </p:cNvPicPr>
+          <p:nvPr/>
+        </p:nvPicPr>
+        <p:blipFill>
+          <a:blip r:embed="rId2"/>
+          <a:stretch>
+            <a:fillRect/>
+          </a:stretch>
+        </p:blipFill>
+        <p:spPr>
+          <a:xfrm>
+            <a:off x="5026448" y="676783"/>
+            <a:ext cx="2875009" cy="2156257"/>
+          </a:xfrm>
+          <a:prstGeom prst="rect">
+            <a:avLst/>
+          </a:prstGeom>
+        </p:spPr>
+      </p:pic>
+      <p:pic>
+        <p:nvPicPr>
+          <p:cNvPr id="14" name="Picture 13">
+            <a:extLst>
+              <a:ext uri="{FF2B5EF4-FFF2-40B4-BE49-F238E27FC236}">
+                <a16:creationId xmlns:a16="http://schemas.microsoft.com/office/drawing/2014/main" id="{C96E25A2-7667-44CE-B4F7-B59860BBCC6C}"/>
+              </a:ext>
+            </a:extLst>
+          </p:cNvPr>
+          <p:cNvPicPr>
+            <a:picLocks noChangeAspect="1"/>
+          </p:cNvPicPr>
+          <p:nvPr/>
+        </p:nvPicPr>
+        <p:blipFill>
+          <a:blip r:embed="rId3"/>
+          <a:stretch>
+            <a:fillRect/>
+          </a:stretch>
+        </p:blipFill>
+        <p:spPr>
+          <a:xfrm>
+            <a:off x="5008602" y="2833040"/>
+            <a:ext cx="2892855" cy="2169641"/>
+          </a:xfrm>
+          <a:prstGeom prst="rect">
+            <a:avLst/>
+          </a:prstGeom>
+        </p:spPr>
+      </p:pic>
     </p:spTree>
     <p:extLst>
       <p:ext uri="{BB962C8B-B14F-4D97-AF65-F5344CB8AC3E}">
@@ -8758,6 +8021,7 @@
           </a:bodyPr>
           <a:lstStyle/>
           <a:p>
+            <a:pPr algn="ctr"/>
             <a:r>
               <a:rPr lang="en-US" dirty="0"/>
               <a:t>Variation in Infill Percentage</a:t>
@@ -8780,14 +8044,14 @@
           <p:nvPr>
             <p:extLst>
               <p:ext uri="{D42A27DB-BD31-4B8C-83A1-F6EECF244321}">
-                <p14:modId xmlns:p14="http://schemas.microsoft.com/office/powerpoint/2010/main" val="359288621"/>
+                <p14:modId xmlns:p14="http://schemas.microsoft.com/office/powerpoint/2010/main" val="674915392"/>
               </p:ext>
             </p:extLst>
           </p:nvPr>
         </p:nvGraphicFramePr>
         <p:xfrm>
-          <a:off x="427029" y="1005839"/>
-          <a:ext cx="2540615" cy="3298026"/>
+          <a:off x="550597" y="1290226"/>
+          <a:ext cx="2752776" cy="2849470"/>
         </p:xfrm>
         <a:graphic>
           <a:graphicData uri="http://schemas.openxmlformats.org/drawingml/2006/table">
@@ -8796,43 +8060,22 @@
                 <a:tableStyleId>{5C22544A-7EE6-4342-B048-85BDC9FD1C3A}</a:tableStyleId>
               </a:tblPr>
               <a:tblGrid>
-                <a:gridCol w="508123">
+                <a:gridCol w="1376388">
                   <a:extLst>
                     <a:ext uri="{9D8B030D-6E8A-4147-A177-3AD203B41FA5}">
                       <a16:colId xmlns:a16="http://schemas.microsoft.com/office/drawing/2014/main" val="1588235122"/>
                     </a:ext>
                   </a:extLst>
                 </a:gridCol>
-                <a:gridCol w="508123">
+                <a:gridCol w="1376388">
                   <a:extLst>
                     <a:ext uri="{9D8B030D-6E8A-4147-A177-3AD203B41FA5}">
                       <a16:colId xmlns:a16="http://schemas.microsoft.com/office/drawing/2014/main" val="389616745"/>
                     </a:ext>
                   </a:extLst>
                 </a:gridCol>
-                <a:gridCol w="508123">
-                  <a:extLst>
-                    <a:ext uri="{9D8B030D-6E8A-4147-A177-3AD203B41FA5}">
-                      <a16:colId xmlns:a16="http://schemas.microsoft.com/office/drawing/2014/main" val="1832127985"/>
-                    </a:ext>
-                  </a:extLst>
-                </a:gridCol>
-                <a:gridCol w="508123">
-                  <a:extLst>
-                    <a:ext uri="{9D8B030D-6E8A-4147-A177-3AD203B41FA5}">
-                      <a16:colId xmlns:a16="http://schemas.microsoft.com/office/drawing/2014/main" val="1912791830"/>
-                    </a:ext>
-                  </a:extLst>
-                </a:gridCol>
-                <a:gridCol w="508123">
-                  <a:extLst>
-                    <a:ext uri="{9D8B030D-6E8A-4147-A177-3AD203B41FA5}">
-                      <a16:colId xmlns:a16="http://schemas.microsoft.com/office/drawing/2014/main" val="3176206923"/>
-                    </a:ext>
-                  </a:extLst>
-                </a:gridCol>
               </a:tblGrid>
-              <a:tr h="1300844">
+              <a:tr h="1128882">
                 <a:tc>
                   <a:txBody>
                     <a:bodyPr/>
@@ -8841,10 +8084,16 @@
                       <a:pPr algn="ctr"/>
                       <a:r>
                         <a:rPr lang="en-US" dirty="0"/>
-                        <a:t>Infills/</a:t>
+                        <a:t>Infills</a:t>
                       </a:r>
-                      <a:endParaRPr lang="en-US" dirty="0"/>
                     </a:p>
+                  </a:txBody>
+                  <a:tcPr anchor="ctr"/>
+                </a:tc>
+                <a:tc>
+                  <a:txBody>
+                    <a:bodyPr/>
+                    <a:lstStyle/>
                     <a:p>
                       <a:pPr marL="0" marR="0" lvl="0" indent="0" algn="ctr" defTabSz="685800" rtl="0" eaLnBrk="1" fontAlgn="auto" latinLnBrk="0" hangingPunct="1">
                         <a:lnSpc>
@@ -8868,61 +8117,35 @@
                         <a:t>4mmX8mm</a:t>
                       </a:r>
                     </a:p>
-                  </a:txBody>
-                  <a:tcPr anchor="ctr"/>
-                </a:tc>
-                <a:tc>
-                  <a:txBody>
-                    <a:bodyPr/>
-                    <a:lstStyle/>
                     <a:p>
-                      <a:pPr algn="ctr"/>
+                      <a:pPr marL="0" marR="0" lvl="0" indent="0" algn="ctr" defTabSz="685800" rtl="0" eaLnBrk="1" fontAlgn="auto" latinLnBrk="0" hangingPunct="1">
+                        <a:lnSpc>
+                          <a:spcPct val="100000"/>
+                        </a:lnSpc>
+                        <a:spcBef>
+                          <a:spcPts val="0"/>
+                        </a:spcBef>
+                        <a:spcAft>
+                          <a:spcPts val="0"/>
+                        </a:spcAft>
+                        <a:buClrTx/>
+                        <a:buSzTx/>
+                        <a:buFontTx/>
+                        <a:buNone/>
+                        <a:tabLst/>
+                        <a:defRPr/>
+                      </a:pPr>
                       <a:r>
                         <a:rPr lang="en-US" dirty="0"/>
-                        <a:t>(1)</a:t>
+                        <a:t>(in </a:t>
                       </a:r>
-                    </a:p>
-                  </a:txBody>
-                  <a:tcPr anchor="ctr"/>
-                </a:tc>
-                <a:tc>
-                  <a:txBody>
-                    <a:bodyPr/>
-                    <a:lstStyle/>
-                    <a:p>
-                      <a:pPr algn="ctr"/>
                       <a:r>
-                        <a:rPr lang="en-US" dirty="0"/>
-                        <a:t>(2)</a:t>
+                        <a:rPr lang="en-US" dirty="0">
+                          <a:latin typeface="Calibri" panose="020F0502020204030204" pitchFamily="34" charset="0"/>
+                        </a:rPr>
+                        <a:t>Ω)</a:t>
                       </a:r>
-                    </a:p>
-                  </a:txBody>
-                  <a:tcPr anchor="ctr"/>
-                </a:tc>
-                <a:tc>
-                  <a:txBody>
-                    <a:bodyPr/>
-                    <a:lstStyle/>
-                    <a:p>
-                      <a:pPr algn="ctr"/>
-                      <a:r>
-                        <a:rPr lang="en-US" dirty="0"/>
-                        <a:t>(3)</a:t>
-                      </a:r>
-                    </a:p>
-                  </a:txBody>
-                  <a:tcPr anchor="ctr"/>
-                </a:tc>
-                <a:tc>
-                  <a:txBody>
-                    <a:bodyPr/>
-                    <a:lstStyle/>
-                    <a:p>
-                      <a:pPr algn="ctr"/>
-                      <a:r>
-                        <a:rPr lang="en-US" dirty="0"/>
-                        <a:t>Average</a:t>
-                      </a:r>
+                      <a:endParaRPr lang="en-US" dirty="0"/>
                     </a:p>
                   </a:txBody>
                   <a:tcPr anchor="ctr"/>
@@ -8933,7 +8156,7 @@
                   </a:ext>
                 </a:extLst>
               </a:tr>
-              <a:tr h="495671">
+              <a:tr h="430147">
                 <a:tc>
                   <a:txBody>
                     <a:bodyPr/>
@@ -8956,47 +8179,8 @@
                       <a:pPr algn="ctr"/>
                       <a:r>
                         <a:rPr lang="en-US" dirty="0"/>
-                        <a:t>130</a:t>
+                        <a:t>8.5</a:t>
                       </a:r>
-                    </a:p>
-                  </a:txBody>
-                  <a:tcPr anchor="ctr"/>
-                </a:tc>
-                <a:tc>
-                  <a:txBody>
-                    <a:bodyPr/>
-                    <a:lstStyle/>
-                    <a:p>
-                      <a:pPr algn="ctr"/>
-                      <a:r>
-                        <a:rPr lang="en-US" dirty="0"/>
-                        <a:t>133</a:t>
-                      </a:r>
-                    </a:p>
-                  </a:txBody>
-                  <a:tcPr anchor="ctr"/>
-                </a:tc>
-                <a:tc>
-                  <a:txBody>
-                    <a:bodyPr/>
-                    <a:lstStyle/>
-                    <a:p>
-                      <a:pPr algn="ctr"/>
-                      <a:r>
-                        <a:rPr lang="en-US" dirty="0"/>
-                        <a:t>167</a:t>
-                      </a:r>
-                    </a:p>
-                  </a:txBody>
-                  <a:tcPr anchor="ctr"/>
-                </a:tc>
-                <a:tc>
-                  <a:txBody>
-                    <a:bodyPr/>
-                    <a:lstStyle/>
-                    <a:p>
-                      <a:pPr algn="ctr"/>
-                      <a:endParaRPr lang="en-US" dirty="0"/>
                     </a:p>
                   </a:txBody>
                   <a:tcPr anchor="ctr"/>
@@ -9007,7 +8191,7 @@
                   </a:ext>
                 </a:extLst>
               </a:tr>
-              <a:tr h="495671">
+              <a:tr h="430147">
                 <a:tc>
                   <a:txBody>
                     <a:bodyPr/>
@@ -9030,47 +8214,8 @@
                       <a:pPr algn="ctr"/>
                       <a:r>
                         <a:rPr lang="en-US" dirty="0"/>
-                        <a:t>143</a:t>
+                        <a:t>10.7</a:t>
                       </a:r>
-                    </a:p>
-                  </a:txBody>
-                  <a:tcPr anchor="ctr"/>
-                </a:tc>
-                <a:tc>
-                  <a:txBody>
-                    <a:bodyPr/>
-                    <a:lstStyle/>
-                    <a:p>
-                      <a:pPr algn="ctr"/>
-                      <a:r>
-                        <a:rPr lang="en-US" dirty="0"/>
-                        <a:t>220</a:t>
-                      </a:r>
-                    </a:p>
-                  </a:txBody>
-                  <a:tcPr anchor="ctr"/>
-                </a:tc>
-                <a:tc>
-                  <a:txBody>
-                    <a:bodyPr/>
-                    <a:lstStyle/>
-                    <a:p>
-                      <a:pPr algn="ctr"/>
-                      <a:r>
-                        <a:rPr lang="en-US" dirty="0"/>
-                        <a:t>142</a:t>
-                      </a:r>
-                    </a:p>
-                  </a:txBody>
-                  <a:tcPr anchor="ctr"/>
-                </a:tc>
-                <a:tc>
-                  <a:txBody>
-                    <a:bodyPr/>
-                    <a:lstStyle/>
-                    <a:p>
-                      <a:pPr algn="ctr"/>
-                      <a:endParaRPr lang="en-US" dirty="0"/>
                     </a:p>
                   </a:txBody>
                   <a:tcPr anchor="ctr"/>
@@ -9081,7 +8226,7 @@
                   </a:ext>
                 </a:extLst>
               </a:tr>
-              <a:tr h="495671">
+              <a:tr h="430147">
                 <a:tc>
                   <a:txBody>
                     <a:bodyPr/>
@@ -9104,47 +8249,8 @@
                       <a:pPr algn="ctr"/>
                       <a:r>
                         <a:rPr lang="en-US" dirty="0"/>
-                        <a:t>124.7 </a:t>
+                        <a:t>9.3</a:t>
                       </a:r>
-                    </a:p>
-                  </a:txBody>
-                  <a:tcPr anchor="ctr"/>
-                </a:tc>
-                <a:tc>
-                  <a:txBody>
-                    <a:bodyPr/>
-                    <a:lstStyle/>
-                    <a:p>
-                      <a:pPr algn="ctr"/>
-                      <a:r>
-                        <a:rPr lang="en-US" dirty="0"/>
-                        <a:t>75</a:t>
-                      </a:r>
-                    </a:p>
-                  </a:txBody>
-                  <a:tcPr anchor="ctr"/>
-                </a:tc>
-                <a:tc>
-                  <a:txBody>
-                    <a:bodyPr/>
-                    <a:lstStyle/>
-                    <a:p>
-                      <a:pPr algn="ctr"/>
-                      <a:r>
-                        <a:rPr lang="en-US" dirty="0"/>
-                        <a:t>193</a:t>
-                      </a:r>
-                    </a:p>
-                  </a:txBody>
-                  <a:tcPr anchor="ctr"/>
-                </a:tc>
-                <a:tc>
-                  <a:txBody>
-                    <a:bodyPr/>
-                    <a:lstStyle/>
-                    <a:p>
-                      <a:pPr algn="ctr"/>
-                      <a:endParaRPr lang="en-US" dirty="0"/>
                     </a:p>
                   </a:txBody>
                   <a:tcPr anchor="ctr"/>
@@ -9155,7 +8261,7 @@
                   </a:ext>
                 </a:extLst>
               </a:tr>
-              <a:tr h="495671">
+              <a:tr h="430147">
                 <a:tc>
                   <a:txBody>
                     <a:bodyPr/>
@@ -9194,47 +8300,8 @@
                       </a:pPr>
                       <a:r>
                         <a:rPr lang="en-US" dirty="0"/>
-                        <a:t>114.5</a:t>
+                        <a:t>14</a:t>
                       </a:r>
-                    </a:p>
-                  </a:txBody>
-                  <a:tcPr anchor="ctr"/>
-                </a:tc>
-                <a:tc>
-                  <a:txBody>
-                    <a:bodyPr/>
-                    <a:lstStyle/>
-                    <a:p>
-                      <a:pPr algn="ctr"/>
-                      <a:r>
-                        <a:rPr lang="en-US" dirty="0"/>
-                        <a:t>141</a:t>
-                      </a:r>
-                    </a:p>
-                  </a:txBody>
-                  <a:tcPr anchor="ctr"/>
-                </a:tc>
-                <a:tc>
-                  <a:txBody>
-                    <a:bodyPr/>
-                    <a:lstStyle/>
-                    <a:p>
-                      <a:pPr algn="ctr"/>
-                      <a:r>
-                        <a:rPr lang="en-US" dirty="0"/>
-                        <a:t>125</a:t>
-                      </a:r>
-                    </a:p>
-                  </a:txBody>
-                  <a:tcPr anchor="ctr"/>
-                </a:tc>
-                <a:tc>
-                  <a:txBody>
-                    <a:bodyPr/>
-                    <a:lstStyle/>
-                    <a:p>
-                      <a:pPr algn="ctr"/>
-                      <a:endParaRPr lang="en-US" dirty="0"/>
                     </a:p>
                   </a:txBody>
                   <a:tcPr anchor="ctr"/>
@@ -9249,28 +8316,36 @@
           </a:graphicData>
         </a:graphic>
       </p:graphicFrame>
-      <p:graphicFrame>
-        <p:nvGraphicFramePr>
-          <p:cNvPr id="12" name="Chart 11"/>
-          <p:cNvGraphicFramePr/>
-          <p:nvPr>
-            <p:extLst>
-              <p:ext uri="{D42A27DB-BD31-4B8C-83A1-F6EECF244321}">
-                <p14:modId xmlns:p14="http://schemas.microsoft.com/office/powerpoint/2010/main" val="1109106483"/>
-              </p:ext>
-            </p:extLst>
-          </p:nvPr>
-        </p:nvGraphicFramePr>
-        <p:xfrm>
-          <a:off x="2967644" y="739256"/>
-          <a:ext cx="6096000" cy="4064000"/>
-        </p:xfrm>
-        <a:graphic>
-          <a:graphicData uri="http://schemas.openxmlformats.org/drawingml/2006/chart">
-            <c:chart xmlns:c="http://schemas.openxmlformats.org/drawingml/2006/chart" xmlns:r="http://schemas.openxmlformats.org/officeDocument/2006/relationships" r:id="rId2"/>
-          </a:graphicData>
-        </a:graphic>
-      </p:graphicFrame>
+      <p:pic>
+        <p:nvPicPr>
+          <p:cNvPr id="10" name="Picture 9">
+            <a:extLst>
+              <a:ext uri="{FF2B5EF4-FFF2-40B4-BE49-F238E27FC236}">
+                <a16:creationId xmlns:a16="http://schemas.microsoft.com/office/drawing/2014/main" id="{718B88F9-9DA2-4F20-AD5F-DA06A8D63FAB}"/>
+              </a:ext>
+            </a:extLst>
+          </p:cNvPr>
+          <p:cNvPicPr>
+            <a:picLocks noChangeAspect="1"/>
+          </p:cNvPicPr>
+          <p:nvPr/>
+        </p:nvPicPr>
+        <p:blipFill>
+          <a:blip r:embed="rId2"/>
+          <a:stretch>
+            <a:fillRect/>
+          </a:stretch>
+        </p:blipFill>
+        <p:spPr>
+          <a:xfrm>
+            <a:off x="3912405" y="930876"/>
+            <a:ext cx="4919895" cy="3689921"/>
+          </a:xfrm>
+          <a:prstGeom prst="rect">
+            <a:avLst/>
+          </a:prstGeom>
+        </p:spPr>
+      </p:pic>
     </p:spTree>
     <p:extLst>
       <p:ext uri="{BB962C8B-B14F-4D97-AF65-F5344CB8AC3E}">
@@ -9446,6 +8521,847 @@
 </file>
 
 <file path=ppt/slides/slide24.xml><?xml version="1.0" encoding="utf-8"?>
+<p:sld xmlns:a="http://schemas.openxmlformats.org/drawingml/2006/main" xmlns:r="http://schemas.openxmlformats.org/officeDocument/2006/relationships" xmlns:p="http://schemas.openxmlformats.org/presentationml/2006/main">
+  <p:cSld>
+    <p:spTree>
+      <p:nvGrpSpPr>
+        <p:cNvPr id="1" name=""/>
+        <p:cNvGrpSpPr/>
+        <p:nvPr/>
+      </p:nvGrpSpPr>
+      <p:grpSpPr>
+        <a:xfrm>
+          <a:off x="0" y="0"/>
+          <a:ext cx="0" cy="0"/>
+          <a:chOff x="0" y="0"/>
+          <a:chExt cx="0" cy="0"/>
+        </a:xfrm>
+      </p:grpSpPr>
+      <p:sp>
+        <p:nvSpPr>
+          <p:cNvPr id="2" name="Title 1"/>
+          <p:cNvSpPr>
+            <a:spLocks noGrp="1"/>
+          </p:cNvSpPr>
+          <p:nvPr>
+            <p:ph type="title"/>
+          </p:nvPr>
+        </p:nvSpPr>
+        <p:spPr>
+          <a:xfrm>
+            <a:off x="410095" y="0"/>
+            <a:ext cx="8520600" cy="831300"/>
+          </a:xfrm>
+        </p:spPr>
+        <p:txBody>
+          <a:bodyPr/>
+          <a:lstStyle/>
+          <a:p>
+            <a:r>
+              <a:rPr lang="en-US" dirty="0"/>
+              <a:t>Joint Limits</a:t>
+            </a:r>
+          </a:p>
+        </p:txBody>
+      </p:sp>
+      <p:graphicFrame>
+        <p:nvGraphicFramePr>
+          <p:cNvPr id="4" name="Table 3"/>
+          <p:cNvGraphicFramePr>
+            <a:graphicFrameLocks noGrp="1"/>
+          </p:cNvGraphicFramePr>
+          <p:nvPr>
+            <p:extLst>
+              <p:ext uri="{D42A27DB-BD31-4B8C-83A1-F6EECF244321}">
+                <p14:modId xmlns:p14="http://schemas.microsoft.com/office/powerpoint/2010/main" val="4053227193"/>
+              </p:ext>
+            </p:extLst>
+          </p:nvPr>
+        </p:nvGraphicFramePr>
+        <p:xfrm>
+          <a:off x="299258" y="1330064"/>
+          <a:ext cx="8545483" cy="2811354"/>
+        </p:xfrm>
+        <a:graphic>
+          <a:graphicData uri="http://schemas.openxmlformats.org/drawingml/2006/table">
+            <a:tbl>
+              <a:tblPr firstRow="1" bandRow="1">
+                <a:tableStyleId>{5C22544A-7EE6-4342-B048-85BDC9FD1C3A}</a:tableStyleId>
+              </a:tblPr>
+              <a:tblGrid>
+                <a:gridCol w="581601">
+                  <a:extLst>
+                    <a:ext uri="{9D8B030D-6E8A-4147-A177-3AD203B41FA5}">
+                      <a16:colId xmlns:a16="http://schemas.microsoft.com/office/drawing/2014/main" val="4018344122"/>
+                    </a:ext>
+                  </a:extLst>
+                </a:gridCol>
+                <a:gridCol w="1870654">
+                  <a:extLst>
+                    <a:ext uri="{9D8B030D-6E8A-4147-A177-3AD203B41FA5}">
+                      <a16:colId xmlns:a16="http://schemas.microsoft.com/office/drawing/2014/main" val="549951212"/>
+                    </a:ext>
+                  </a:extLst>
+                </a:gridCol>
+                <a:gridCol w="1321723">
+                  <a:extLst>
+                    <a:ext uri="{9D8B030D-6E8A-4147-A177-3AD203B41FA5}">
+                      <a16:colId xmlns:a16="http://schemas.microsoft.com/office/drawing/2014/main" val="1473258090"/>
+                    </a:ext>
+                  </a:extLst>
+                </a:gridCol>
+                <a:gridCol w="1223601">
+                  <a:extLst>
+                    <a:ext uri="{9D8B030D-6E8A-4147-A177-3AD203B41FA5}">
+                      <a16:colId xmlns:a16="http://schemas.microsoft.com/office/drawing/2014/main" val="3815040937"/>
+                    </a:ext>
+                  </a:extLst>
+                </a:gridCol>
+                <a:gridCol w="1188502">
+                  <a:extLst>
+                    <a:ext uri="{9D8B030D-6E8A-4147-A177-3AD203B41FA5}">
+                      <a16:colId xmlns:a16="http://schemas.microsoft.com/office/drawing/2014/main" val="173060117"/>
+                    </a:ext>
+                  </a:extLst>
+                </a:gridCol>
+                <a:gridCol w="1175971">
+                  <a:extLst>
+                    <a:ext uri="{9D8B030D-6E8A-4147-A177-3AD203B41FA5}">
+                      <a16:colId xmlns:a16="http://schemas.microsoft.com/office/drawing/2014/main" val="4084572485"/>
+                    </a:ext>
+                  </a:extLst>
+                </a:gridCol>
+                <a:gridCol w="1183431">
+                  <a:extLst>
+                    <a:ext uri="{9D8B030D-6E8A-4147-A177-3AD203B41FA5}">
+                      <a16:colId xmlns:a16="http://schemas.microsoft.com/office/drawing/2014/main" val="2372581715"/>
+                    </a:ext>
+                  </a:extLst>
+                </a:gridCol>
+              </a:tblGrid>
+              <a:tr h="251460">
+                <a:tc rowSpan="2">
+                  <a:txBody>
+                    <a:bodyPr/>
+                    <a:lstStyle/>
+                    <a:p>
+                      <a:pPr algn="ctr"/>
+                      <a:r>
+                        <a:rPr lang="en-US" dirty="0"/>
+                        <a:t>Sr. No.</a:t>
+                      </a:r>
+                    </a:p>
+                  </a:txBody>
+                  <a:tcPr anchor="ctr"/>
+                </a:tc>
+                <a:tc rowSpan="2">
+                  <a:txBody>
+                    <a:bodyPr/>
+                    <a:lstStyle/>
+                    <a:p>
+                      <a:pPr algn="ctr"/>
+                      <a:r>
+                        <a:rPr lang="en-US" dirty="0"/>
+                        <a:t>Action</a:t>
+                      </a:r>
+                    </a:p>
+                  </a:txBody>
+                  <a:tcPr anchor="ctr"/>
+                </a:tc>
+                <a:tc gridSpan="2">
+                  <a:txBody>
+                    <a:bodyPr/>
+                    <a:lstStyle/>
+                    <a:p>
+                      <a:pPr algn="ctr"/>
+                      <a:r>
+                        <a:rPr lang="en-US" dirty="0"/>
+                        <a:t>Muscles</a:t>
+                      </a:r>
+                    </a:p>
+                  </a:txBody>
+                  <a:tcPr anchor="ctr"/>
+                </a:tc>
+                <a:tc hMerge="1">
+                  <a:txBody>
+                    <a:bodyPr/>
+                    <a:lstStyle/>
+                    <a:p>
+                      <a:endParaRPr lang="en-US"/>
+                    </a:p>
+                  </a:txBody>
+                  <a:tcPr/>
+                </a:tc>
+                <a:tc rowSpan="2">
+                  <a:txBody>
+                    <a:bodyPr/>
+                    <a:lstStyle/>
+                    <a:p>
+                      <a:pPr algn="ctr"/>
+                      <a:r>
+                        <a:rPr lang="en-US" dirty="0"/>
+                        <a:t>Min Length (Contraction)</a:t>
+                      </a:r>
+                    </a:p>
+                  </a:txBody>
+                  <a:tcPr anchor="ctr"/>
+                </a:tc>
+                <a:tc rowSpan="2">
+                  <a:txBody>
+                    <a:bodyPr/>
+                    <a:lstStyle/>
+                    <a:p>
+                      <a:pPr algn="ctr"/>
+                      <a:r>
+                        <a:rPr lang="en-US" dirty="0"/>
+                        <a:t>Upper Limit</a:t>
+                      </a:r>
+                    </a:p>
+                  </a:txBody>
+                  <a:tcPr anchor="ctr"/>
+                </a:tc>
+                <a:tc rowSpan="2">
+                  <a:txBody>
+                    <a:bodyPr/>
+                    <a:lstStyle/>
+                    <a:p>
+                      <a:pPr algn="ctr"/>
+                      <a:r>
+                        <a:rPr lang="en-US" dirty="0"/>
+                        <a:t>Lower Limit</a:t>
+                      </a:r>
+                    </a:p>
+                  </a:txBody>
+                  <a:tcPr anchor="ctr"/>
+                </a:tc>
+                <a:extLst>
+                  <a:ext uri="{0D108BD9-81ED-4DB2-BD59-A6C34878D82A}">
+                    <a16:rowId xmlns:a16="http://schemas.microsoft.com/office/drawing/2014/main" val="101097599"/>
+                  </a:ext>
+                </a:extLst>
+              </a:tr>
+              <a:tr h="251460">
+                <a:tc vMerge="1">
+                  <a:txBody>
+                    <a:bodyPr/>
+                    <a:lstStyle/>
+                    <a:p>
+                      <a:endParaRPr lang="en-US"/>
+                    </a:p>
+                  </a:txBody>
+                  <a:tcPr/>
+                </a:tc>
+                <a:tc vMerge="1">
+                  <a:txBody>
+                    <a:bodyPr/>
+                    <a:lstStyle/>
+                    <a:p>
+                      <a:pPr algn="ctr"/>
+                      <a:endParaRPr lang="en-US" b="1" dirty="0">
+                        <a:solidFill>
+                          <a:schemeClr val="bg1"/>
+                        </a:solidFill>
+                      </a:endParaRPr>
+                    </a:p>
+                  </a:txBody>
+                  <a:tcPr anchor="ctr">
+                    <a:solidFill>
+                      <a:schemeClr val="accent1"/>
+                    </a:solidFill>
+                  </a:tcPr>
+                </a:tc>
+                <a:tc>
+                  <a:txBody>
+                    <a:bodyPr/>
+                    <a:lstStyle/>
+                    <a:p>
+                      <a:pPr algn="ctr"/>
+                      <a:r>
+                        <a:rPr lang="en-US" b="1" dirty="0">
+                          <a:solidFill>
+                            <a:schemeClr val="bg1"/>
+                          </a:solidFill>
+                        </a:rPr>
+                        <a:t>Agonist</a:t>
+                      </a:r>
+                    </a:p>
+                  </a:txBody>
+                  <a:tcPr anchor="ctr">
+                    <a:solidFill>
+                      <a:schemeClr val="accent1"/>
+                    </a:solidFill>
+                  </a:tcPr>
+                </a:tc>
+                <a:tc>
+                  <a:txBody>
+                    <a:bodyPr/>
+                    <a:lstStyle/>
+                    <a:p>
+                      <a:pPr algn="ctr"/>
+                      <a:r>
+                        <a:rPr lang="en-US" b="1" dirty="0">
+                          <a:solidFill>
+                            <a:schemeClr val="bg1"/>
+                          </a:solidFill>
+                        </a:rPr>
+                        <a:t>Antagonist</a:t>
+                      </a:r>
+                    </a:p>
+                  </a:txBody>
+                  <a:tcPr anchor="ctr">
+                    <a:solidFill>
+                      <a:schemeClr val="accent1"/>
+                    </a:solidFill>
+                  </a:tcPr>
+                </a:tc>
+                <a:tc vMerge="1">
+                  <a:txBody>
+                    <a:bodyPr/>
+                    <a:lstStyle/>
+                    <a:p>
+                      <a:endParaRPr lang="en-US"/>
+                    </a:p>
+                  </a:txBody>
+                  <a:tcPr/>
+                </a:tc>
+                <a:tc vMerge="1">
+                  <a:txBody>
+                    <a:bodyPr/>
+                    <a:lstStyle/>
+                    <a:p>
+                      <a:endParaRPr lang="en-US"/>
+                    </a:p>
+                  </a:txBody>
+                  <a:tcPr/>
+                </a:tc>
+                <a:tc vMerge="1">
+                  <a:txBody>
+                    <a:bodyPr/>
+                    <a:lstStyle/>
+                    <a:p>
+                      <a:endParaRPr lang="en-US"/>
+                    </a:p>
+                  </a:txBody>
+                  <a:tcPr/>
+                </a:tc>
+                <a:extLst>
+                  <a:ext uri="{0D108BD9-81ED-4DB2-BD59-A6C34878D82A}">
+                    <a16:rowId xmlns:a16="http://schemas.microsoft.com/office/drawing/2014/main" val="2271399663"/>
+                  </a:ext>
+                </a:extLst>
+              </a:tr>
+              <a:tr h="354117">
+                <a:tc>
+                  <a:txBody>
+                    <a:bodyPr/>
+                    <a:lstStyle/>
+                    <a:p>
+                      <a:pPr algn="ctr"/>
+                      <a:r>
+                        <a:rPr lang="en-US" dirty="0"/>
+                        <a:t>1.</a:t>
+                      </a:r>
+                    </a:p>
+                  </a:txBody>
+                  <a:tcPr anchor="ctr"/>
+                </a:tc>
+                <a:tc>
+                  <a:txBody>
+                    <a:bodyPr/>
+                    <a:lstStyle/>
+                    <a:p>
+                      <a:pPr algn="ctr"/>
+                      <a:r>
+                        <a:rPr lang="en-US" dirty="0"/>
+                        <a:t>Shoulder </a:t>
+                      </a:r>
+                    </a:p>
+                    <a:p>
+                      <a:pPr algn="ctr"/>
+                      <a:r>
+                        <a:rPr lang="en-US" dirty="0"/>
+                        <a:t>Abduction/</a:t>
+                      </a:r>
+                      <a:r>
+                        <a:rPr lang="en-US" dirty="0"/>
+                        <a:t>Adduction</a:t>
+                      </a:r>
+                      <a:endParaRPr lang="en-US" dirty="0"/>
+                    </a:p>
+                  </a:txBody>
+                  <a:tcPr anchor="ctr"/>
+                </a:tc>
+                <a:tc>
+                  <a:txBody>
+                    <a:bodyPr/>
+                    <a:lstStyle/>
+                    <a:p>
+                      <a:pPr algn="ctr"/>
+                      <a:r>
+                        <a:rPr lang="en-US" dirty="0"/>
+                        <a:t>Deltoid </a:t>
+                      </a:r>
+                    </a:p>
+                  </a:txBody>
+                  <a:tcPr anchor="ctr"/>
+                </a:tc>
+                <a:tc>
+                  <a:txBody>
+                    <a:bodyPr/>
+                    <a:lstStyle/>
+                    <a:p>
+                      <a:pPr algn="ctr"/>
+                      <a:endParaRPr lang="en-US" dirty="0"/>
+                    </a:p>
+                  </a:txBody>
+                  <a:tcPr anchor="ctr"/>
+                </a:tc>
+                <a:tc>
+                  <a:txBody>
+                    <a:bodyPr/>
+                    <a:lstStyle/>
+                    <a:p>
+                      <a:pPr algn="ctr"/>
+                      <a:r>
+                        <a:rPr lang="en-US" dirty="0"/>
+                        <a:t>200mm</a:t>
+                      </a:r>
+                    </a:p>
+                    <a:p>
+                      <a:pPr algn="ctr"/>
+                      <a:r>
+                        <a:rPr lang="en-US" dirty="0"/>
+                        <a:t>(50mm)</a:t>
+                      </a:r>
+                    </a:p>
+                  </a:txBody>
+                  <a:tcPr anchor="ctr"/>
+                </a:tc>
+                <a:tc>
+                  <a:txBody>
+                    <a:bodyPr/>
+                    <a:lstStyle/>
+                    <a:p>
+                      <a:pPr algn="ctr"/>
+                      <a:endParaRPr lang="en-US" dirty="0"/>
+                    </a:p>
+                  </a:txBody>
+                  <a:tcPr anchor="ctr"/>
+                </a:tc>
+                <a:tc>
+                  <a:txBody>
+                    <a:bodyPr/>
+                    <a:lstStyle/>
+                    <a:p>
+                      <a:pPr algn="ctr"/>
+                      <a:endParaRPr lang="en-US"/>
+                    </a:p>
+                  </a:txBody>
+                  <a:tcPr anchor="ctr"/>
+                </a:tc>
+                <a:extLst>
+                  <a:ext uri="{0D108BD9-81ED-4DB2-BD59-A6C34878D82A}">
+                    <a16:rowId xmlns:a16="http://schemas.microsoft.com/office/drawing/2014/main" val="3645640510"/>
+                  </a:ext>
+                </a:extLst>
+              </a:tr>
+              <a:tr h="354117">
+                <a:tc>
+                  <a:txBody>
+                    <a:bodyPr/>
+                    <a:lstStyle/>
+                    <a:p>
+                      <a:pPr algn="ctr"/>
+                      <a:r>
+                        <a:rPr lang="en-US" dirty="0"/>
+                        <a:t>2.</a:t>
+                      </a:r>
+                    </a:p>
+                  </a:txBody>
+                  <a:tcPr anchor="ctr"/>
+                </a:tc>
+                <a:tc>
+                  <a:txBody>
+                    <a:bodyPr/>
+                    <a:lstStyle/>
+                    <a:p>
+                      <a:pPr algn="ctr"/>
+                      <a:r>
+                        <a:rPr lang="en-US" dirty="0"/>
+                        <a:t>Shoulder </a:t>
+                      </a:r>
+                    </a:p>
+                    <a:p>
+                      <a:pPr algn="ctr"/>
+                      <a:r>
+                        <a:rPr lang="en-US" dirty="0"/>
+                        <a:t>Flexion/Extension</a:t>
+                      </a:r>
+                    </a:p>
+                  </a:txBody>
+                  <a:tcPr anchor="ctr"/>
+                </a:tc>
+                <a:tc>
+                  <a:txBody>
+                    <a:bodyPr/>
+                    <a:lstStyle/>
+                    <a:p>
+                      <a:pPr algn="ctr"/>
+                      <a:endParaRPr lang="en-US" dirty="0"/>
+                    </a:p>
+                  </a:txBody>
+                  <a:tcPr anchor="ctr"/>
+                </a:tc>
+                <a:tc>
+                  <a:txBody>
+                    <a:bodyPr/>
+                    <a:lstStyle/>
+                    <a:p>
+                      <a:pPr algn="ctr"/>
+                      <a:endParaRPr lang="en-US" dirty="0"/>
+                    </a:p>
+                  </a:txBody>
+                  <a:tcPr anchor="ctr"/>
+                </a:tc>
+                <a:tc>
+                  <a:txBody>
+                    <a:bodyPr/>
+                    <a:lstStyle/>
+                    <a:p>
+                      <a:pPr algn="ctr"/>
+                      <a:endParaRPr lang="en-US" dirty="0"/>
+                    </a:p>
+                  </a:txBody>
+                  <a:tcPr anchor="ctr"/>
+                </a:tc>
+                <a:tc>
+                  <a:txBody>
+                    <a:bodyPr/>
+                    <a:lstStyle/>
+                    <a:p>
+                      <a:pPr algn="ctr"/>
+                      <a:endParaRPr lang="en-US"/>
+                    </a:p>
+                  </a:txBody>
+                  <a:tcPr anchor="ctr"/>
+                </a:tc>
+                <a:tc>
+                  <a:txBody>
+                    <a:bodyPr/>
+                    <a:lstStyle/>
+                    <a:p>
+                      <a:pPr algn="ctr"/>
+                      <a:endParaRPr lang="en-US"/>
+                    </a:p>
+                  </a:txBody>
+                  <a:tcPr anchor="ctr"/>
+                </a:tc>
+                <a:extLst>
+                  <a:ext uri="{0D108BD9-81ED-4DB2-BD59-A6C34878D82A}">
+                    <a16:rowId xmlns:a16="http://schemas.microsoft.com/office/drawing/2014/main" val="2435419893"/>
+                  </a:ext>
+                </a:extLst>
+              </a:tr>
+              <a:tr h="354117">
+                <a:tc>
+                  <a:txBody>
+                    <a:bodyPr/>
+                    <a:lstStyle/>
+                    <a:p>
+                      <a:pPr algn="ctr"/>
+                      <a:r>
+                        <a:rPr lang="en-US" dirty="0"/>
+                        <a:t>3.</a:t>
+                      </a:r>
+                    </a:p>
+                  </a:txBody>
+                  <a:tcPr anchor="ctr"/>
+                </a:tc>
+                <a:tc>
+                  <a:txBody>
+                    <a:bodyPr/>
+                    <a:lstStyle/>
+                    <a:p>
+                      <a:pPr algn="ctr"/>
+                      <a:r>
+                        <a:rPr lang="en-US" dirty="0"/>
+                        <a:t>Medial/Lateral Rotation </a:t>
+                      </a:r>
+                    </a:p>
+                  </a:txBody>
+                  <a:tcPr anchor="ctr"/>
+                </a:tc>
+                <a:tc>
+                  <a:txBody>
+                    <a:bodyPr/>
+                    <a:lstStyle/>
+                    <a:p>
+                      <a:pPr algn="ctr"/>
+                      <a:endParaRPr lang="en-US" dirty="0"/>
+                    </a:p>
+                  </a:txBody>
+                  <a:tcPr anchor="ctr"/>
+                </a:tc>
+                <a:tc>
+                  <a:txBody>
+                    <a:bodyPr/>
+                    <a:lstStyle/>
+                    <a:p>
+                      <a:pPr algn="ctr"/>
+                      <a:endParaRPr lang="en-US" dirty="0"/>
+                    </a:p>
+                  </a:txBody>
+                  <a:tcPr anchor="ctr"/>
+                </a:tc>
+                <a:tc>
+                  <a:txBody>
+                    <a:bodyPr/>
+                    <a:lstStyle/>
+                    <a:p>
+                      <a:pPr algn="ctr"/>
+                      <a:endParaRPr lang="en-US" dirty="0"/>
+                    </a:p>
+                  </a:txBody>
+                  <a:tcPr anchor="ctr"/>
+                </a:tc>
+                <a:tc>
+                  <a:txBody>
+                    <a:bodyPr/>
+                    <a:lstStyle/>
+                    <a:p>
+                      <a:pPr algn="ctr"/>
+                      <a:endParaRPr lang="en-US"/>
+                    </a:p>
+                  </a:txBody>
+                  <a:tcPr anchor="ctr"/>
+                </a:tc>
+                <a:tc>
+                  <a:txBody>
+                    <a:bodyPr/>
+                    <a:lstStyle/>
+                    <a:p>
+                      <a:pPr algn="ctr"/>
+                      <a:endParaRPr lang="en-US"/>
+                    </a:p>
+                  </a:txBody>
+                  <a:tcPr anchor="ctr"/>
+                </a:tc>
+                <a:extLst>
+                  <a:ext uri="{0D108BD9-81ED-4DB2-BD59-A6C34878D82A}">
+                    <a16:rowId xmlns:a16="http://schemas.microsoft.com/office/drawing/2014/main" val="3523807799"/>
+                  </a:ext>
+                </a:extLst>
+              </a:tr>
+              <a:tr h="354117">
+                <a:tc>
+                  <a:txBody>
+                    <a:bodyPr/>
+                    <a:lstStyle/>
+                    <a:p>
+                      <a:pPr algn="ctr"/>
+                      <a:r>
+                        <a:rPr lang="en-US" dirty="0"/>
+                        <a:t>4.</a:t>
+                      </a:r>
+                    </a:p>
+                  </a:txBody>
+                  <a:tcPr anchor="ctr"/>
+                </a:tc>
+                <a:tc>
+                  <a:txBody>
+                    <a:bodyPr/>
+                    <a:lstStyle/>
+                    <a:p>
+                      <a:pPr algn="ctr"/>
+                      <a:r>
+                        <a:rPr lang="en-US" dirty="0"/>
+                        <a:t>Elbow </a:t>
+                      </a:r>
+                    </a:p>
+                    <a:p>
+                      <a:pPr algn="ctr"/>
+                      <a:r>
+                        <a:rPr lang="en-US" dirty="0"/>
+                        <a:t>Flexion/Extension</a:t>
+                      </a:r>
+                    </a:p>
+                  </a:txBody>
+                  <a:tcPr anchor="ctr"/>
+                </a:tc>
+                <a:tc>
+                  <a:txBody>
+                    <a:bodyPr/>
+                    <a:lstStyle/>
+                    <a:p>
+                      <a:pPr algn="ctr"/>
+                      <a:endParaRPr lang="en-US" dirty="0"/>
+                    </a:p>
+                  </a:txBody>
+                  <a:tcPr anchor="ctr"/>
+                </a:tc>
+                <a:tc>
+                  <a:txBody>
+                    <a:bodyPr/>
+                    <a:lstStyle/>
+                    <a:p>
+                      <a:pPr algn="ctr"/>
+                      <a:endParaRPr lang="en-US" dirty="0"/>
+                    </a:p>
+                  </a:txBody>
+                  <a:tcPr anchor="ctr"/>
+                </a:tc>
+                <a:tc>
+                  <a:txBody>
+                    <a:bodyPr/>
+                    <a:lstStyle/>
+                    <a:p>
+                      <a:pPr algn="ctr"/>
+                      <a:endParaRPr lang="en-US"/>
+                    </a:p>
+                  </a:txBody>
+                  <a:tcPr anchor="ctr"/>
+                </a:tc>
+                <a:tc>
+                  <a:txBody>
+                    <a:bodyPr/>
+                    <a:lstStyle/>
+                    <a:p>
+                      <a:pPr algn="ctr"/>
+                      <a:endParaRPr lang="en-US"/>
+                    </a:p>
+                  </a:txBody>
+                  <a:tcPr anchor="ctr"/>
+                </a:tc>
+                <a:tc>
+                  <a:txBody>
+                    <a:bodyPr/>
+                    <a:lstStyle/>
+                    <a:p>
+                      <a:pPr algn="ctr"/>
+                      <a:endParaRPr lang="en-US" dirty="0"/>
+                    </a:p>
+                  </a:txBody>
+                  <a:tcPr anchor="ctr"/>
+                </a:tc>
+                <a:extLst>
+                  <a:ext uri="{0D108BD9-81ED-4DB2-BD59-A6C34878D82A}">
+                    <a16:rowId xmlns:a16="http://schemas.microsoft.com/office/drawing/2014/main" val="1636198490"/>
+                  </a:ext>
+                </a:extLst>
+              </a:tr>
+              <a:tr h="354117">
+                <a:tc>
+                  <a:txBody>
+                    <a:bodyPr/>
+                    <a:lstStyle/>
+                    <a:p>
+                      <a:pPr algn="ctr"/>
+                      <a:r>
+                        <a:rPr lang="en-US" dirty="0"/>
+                        <a:t>5</a:t>
+                      </a:r>
+                    </a:p>
+                  </a:txBody>
+                  <a:tcPr anchor="ctr"/>
+                </a:tc>
+                <a:tc>
+                  <a:txBody>
+                    <a:bodyPr/>
+                    <a:lstStyle/>
+                    <a:p>
+                      <a:pPr algn="ctr"/>
+                      <a:r>
+                        <a:rPr lang="en-US" dirty="0"/>
+                        <a:t>Pronation/ </a:t>
+                      </a:r>
+                      <a:r>
+                        <a:rPr lang="en-US" dirty="0" err="1"/>
+                        <a:t>Suppination</a:t>
+                      </a:r>
+                      <a:endParaRPr lang="en-US" dirty="0"/>
+                    </a:p>
+                  </a:txBody>
+                  <a:tcPr anchor="ctr"/>
+                </a:tc>
+                <a:tc>
+                  <a:txBody>
+                    <a:bodyPr/>
+                    <a:lstStyle/>
+                    <a:p>
+                      <a:pPr algn="ctr"/>
+                      <a:endParaRPr lang="en-US" dirty="0"/>
+                    </a:p>
+                  </a:txBody>
+                  <a:tcPr anchor="ctr"/>
+                </a:tc>
+                <a:tc>
+                  <a:txBody>
+                    <a:bodyPr/>
+                    <a:lstStyle/>
+                    <a:p>
+                      <a:pPr algn="ctr"/>
+                      <a:endParaRPr lang="en-US" dirty="0"/>
+                    </a:p>
+                  </a:txBody>
+                  <a:tcPr anchor="ctr"/>
+                </a:tc>
+                <a:tc>
+                  <a:txBody>
+                    <a:bodyPr/>
+                    <a:lstStyle/>
+                    <a:p>
+                      <a:pPr algn="ctr"/>
+                      <a:endParaRPr lang="en-US"/>
+                    </a:p>
+                  </a:txBody>
+                  <a:tcPr anchor="ctr"/>
+                </a:tc>
+                <a:tc>
+                  <a:txBody>
+                    <a:bodyPr/>
+                    <a:lstStyle/>
+                    <a:p>
+                      <a:pPr algn="ctr"/>
+                      <a:endParaRPr lang="en-US"/>
+                    </a:p>
+                  </a:txBody>
+                  <a:tcPr anchor="ctr"/>
+                </a:tc>
+                <a:tc>
+                  <a:txBody>
+                    <a:bodyPr/>
+                    <a:lstStyle/>
+                    <a:p>
+                      <a:pPr algn="ctr"/>
+                      <a:endParaRPr lang="en-US" dirty="0"/>
+                    </a:p>
+                  </a:txBody>
+                  <a:tcPr anchor="ctr"/>
+                </a:tc>
+                <a:extLst>
+                  <a:ext uri="{0D108BD9-81ED-4DB2-BD59-A6C34878D82A}">
+                    <a16:rowId xmlns:a16="http://schemas.microsoft.com/office/drawing/2014/main" val="3656181205"/>
+                  </a:ext>
+                </a:extLst>
+              </a:tr>
+            </a:tbl>
+          </a:graphicData>
+        </a:graphic>
+      </p:graphicFrame>
+    </p:spTree>
+    <p:extLst>
+      <p:ext uri="{BB962C8B-B14F-4D97-AF65-F5344CB8AC3E}">
+        <p14:creationId xmlns:p14="http://schemas.microsoft.com/office/powerpoint/2010/main" val="4055976206"/>
+      </p:ext>
+    </p:extLst>
+  </p:cSld>
+  <p:clrMapOvr>
+    <a:masterClrMapping/>
+  </p:clrMapOvr>
+</p:sld>
+</file>
+
+<file path=ppt/slides/slide25.xml><?xml version="1.0" encoding="utf-8"?>
 <p:sld xmlns:a="http://schemas.openxmlformats.org/drawingml/2006/main" xmlns:r="http://schemas.openxmlformats.org/officeDocument/2006/relationships" xmlns:p="http://schemas.openxmlformats.org/presentationml/2006/main">
   <p:cSld>
     <p:spTree>
